--- a/S5 - SL Regresion/Slides/S5 - SL_ Regresion.pptx
+++ b/S5 - SL Regresion/Slides/S5 - SL_ Regresion.pptx
@@ -13,7 +13,7 @@
     <p:sldId id="264" r:id="rId4"/>
     <p:sldId id="259" r:id="rId5"/>
     <p:sldId id="260" r:id="rId6"/>
-    <p:sldId id="266" r:id="rId7"/>
+    <p:sldId id="275" r:id="rId7"/>
     <p:sldId id="265" r:id="rId8"/>
     <p:sldId id="267" r:id="rId9"/>
     <p:sldId id="268" r:id="rId10"/>
@@ -28,19 +28,19 @@
   <p:notesSz cx="6858000" cy="9144000"/>
   <p:embeddedFontLst>
     <p:embeddedFont>
-      <p:font typeface="Roboto" panose="020B0604020202020204" charset="0"/>
+      <p:font typeface="Lato" panose="020F0502020204030203" pitchFamily="34" charset="0"/>
       <p:regular r:id="rId18"/>
       <p:bold r:id="rId19"/>
-      <p:italic r:id="rId20"/>
-      <p:boldItalic r:id="rId21"/>
-    </p:embeddedFont>
-    <p:embeddedFont>
-      <p:font typeface="Lato" panose="020F0502020204030203" pitchFamily="34" charset="0"/>
-      <p:regular r:id="rId22"/>
-      <p:bold r:id="rId23"/>
     </p:embeddedFont>
     <p:embeddedFont>
       <p:font typeface="Calibri" panose="020F0502020204030204" pitchFamily="34" charset="0"/>
+      <p:regular r:id="rId20"/>
+      <p:bold r:id="rId21"/>
+      <p:italic r:id="rId22"/>
+      <p:boldItalic r:id="rId23"/>
+    </p:embeddedFont>
+    <p:embeddedFont>
+      <p:font typeface="Roboto" panose="020B0604020202020204" charset="0"/>
       <p:regular r:id="rId24"/>
       <p:bold r:id="rId25"/>
       <p:italic r:id="rId26"/>
@@ -292,7 +292,7 @@
       </p15:sldGuideLst>
     </p:ext>
     <p:ext uri="http://customooxmlschemas.google.com/">
-      <go:slidesCustomData xmlns="" xmlns:mc="http://schemas.openxmlformats.org/markup-compatibility/2006" xmlns:mv="urn:schemas-microsoft-com:mac:vml" xmlns:c="http://schemas.openxmlformats.org/drawingml/2006/chart" xmlns:dgm="http://schemas.openxmlformats.org/drawingml/2006/diagram" xmlns:o="urn:schemas-microsoft-com:office:office" xmlns:v="urn:schemas-microsoft-com:vml" xmlns:pvml="urn:schemas-microsoft-com:office:powerpoint" xmlns:com="http://schemas.openxmlformats.org/drawingml/2006/compatibility" xmlns:p14="http://schemas.microsoft.com/office/powerpoint/2010/main" xmlns:p15="http://schemas.microsoft.com/office/powerpoint/2012/main" xmlns:ahyp="http://schemas.microsoft.com/office/drawing/2018/hyperlinkcolor" xmlns:go="http://customooxmlschemas.google.com/" r:id="rId31" roundtripDataSignature="AMtx7mi+D8+a4BrEKaNVrR8Co+e3nneLRg=="/>
+      <go:slidesCustomData xmlns:go="http://customooxmlschemas.google.com/" xmlns:ahyp="http://schemas.microsoft.com/office/drawing/2018/hyperlinkcolor" xmlns:p15="http://schemas.microsoft.com/office/powerpoint/2012/main" xmlns:p14="http://schemas.microsoft.com/office/powerpoint/2010/main" xmlns:com="http://schemas.openxmlformats.org/drawingml/2006/compatibility" xmlns:pvml="urn:schemas-microsoft-com:office:powerpoint" xmlns:v="urn:schemas-microsoft-com:vml" xmlns:o="urn:schemas-microsoft-com:office:office" xmlns:dgm="http://schemas.openxmlformats.org/drawingml/2006/diagram" xmlns:c="http://schemas.openxmlformats.org/drawingml/2006/chart" xmlns:mv="urn:schemas-microsoft-com:mac:vml" xmlns:mc="http://schemas.openxmlformats.org/markup-compatibility/2006" xmlns="" r:id="rId31" roundtripDataSignature="AMtx7mi+D8+a4BrEKaNVrR8Co+e3nneLRg=="/>
     </p:ext>
   </p:extLst>
 </p:presentation>
@@ -2702,11 +2702,11 @@
 </file>
 
 <file path=ppt/notesSlides/notesSlide6.xml><?xml version="1.0" encoding="utf-8"?>
-<p:notes xmlns:a="http://schemas.openxmlformats.org/drawingml/2006/main" xmlns:r="http://schemas.openxmlformats.org/officeDocument/2006/relationships" xmlns:p="http://schemas.openxmlformats.org/presentationml/2006/main" showMasterSp="0" showMasterPhAnim="0">
+<p:notes xmlns:a="http://schemas.openxmlformats.org/drawingml/2006/main" xmlns:r="http://schemas.openxmlformats.org/officeDocument/2006/relationships" xmlns:p="http://schemas.openxmlformats.org/presentationml/2006/main">
   <p:cSld>
     <p:spTree>
       <p:nvGrpSpPr>
-        <p:cNvPr id="1" name="Shape 119"/>
+        <p:cNvPr id="1" name=""/>
         <p:cNvGrpSpPr/>
         <p:nvPr/>
       </p:nvGrpSpPr>
@@ -2720,159 +2720,68 @@
       </p:grpSpPr>
       <p:sp>
         <p:nvSpPr>
-          <p:cNvPr id="120" name="Google Shape;120;p4:notes"/>
+          <p:cNvPr id="2" name="Marcador de imagen de diapositiva 1"/>
           <p:cNvSpPr>
             <a:spLocks noGrp="1" noRot="1" noChangeAspect="1"/>
           </p:cNvSpPr>
           <p:nvPr>
-            <p:ph type="sldImg" idx="2"/>
+            <p:ph type="sldImg"/>
           </p:nvPr>
         </p:nvSpPr>
-        <p:spPr>
-          <a:xfrm>
-            <a:off x="1371600" y="1143000"/>
-            <a:ext cx="4114800" cy="3086100"/>
-          </a:xfrm>
-          <a:custGeom>
-            <a:avLst/>
-            <a:gdLst/>
-            <a:ahLst/>
-            <a:cxnLst/>
-            <a:rect l="l" t="t" r="r" b="b"/>
-            <a:pathLst>
-              <a:path w="120000" h="120000" extrusionOk="0">
-                <a:moveTo>
-                  <a:pt x="0" y="0"/>
-                </a:moveTo>
-                <a:lnTo>
-                  <a:pt x="120000" y="0"/>
-                </a:lnTo>
-                <a:lnTo>
-                  <a:pt x="120000" y="120000"/>
-                </a:lnTo>
-                <a:lnTo>
-                  <a:pt x="0" y="120000"/>
-                </a:lnTo>
-                <a:close/>
-              </a:path>
-            </a:pathLst>
-          </a:custGeom>
-          <a:noFill/>
-          <a:ln w="12700" cap="flat" cmpd="sng">
-            <a:solidFill>
-              <a:srgbClr val="000000"/>
-            </a:solidFill>
-            <a:prstDash val="solid"/>
-            <a:round/>
-            <a:headEnd type="none" w="sm" len="sm"/>
-            <a:tailEnd type="none" w="sm" len="sm"/>
-          </a:ln>
-        </p:spPr>
+        <p:spPr/>
       </p:sp>
       <p:sp>
         <p:nvSpPr>
-          <p:cNvPr id="121" name="Google Shape;121;p4:notes"/>
-          <p:cNvSpPr txBox="1">
+          <p:cNvPr id="3" name="Marcador de notas 2"/>
+          <p:cNvSpPr>
             <a:spLocks noGrp="1"/>
           </p:cNvSpPr>
           <p:nvPr>
             <p:ph type="body" idx="1"/>
           </p:nvPr>
         </p:nvSpPr>
-        <p:spPr>
-          <a:xfrm>
-            <a:off x="685800" y="4400550"/>
-            <a:ext cx="5486400" cy="3600450"/>
-          </a:xfrm>
-          <a:prstGeom prst="rect">
-            <a:avLst/>
-          </a:prstGeom>
-          <a:noFill/>
-          <a:ln>
-            <a:noFill/>
-          </a:ln>
-        </p:spPr>
+        <p:spPr/>
         <p:txBody>
-          <a:bodyPr spcFirstLastPara="1" wrap="square" lIns="91425" tIns="45700" rIns="91425" bIns="45700" anchor="t" anchorCtr="0">
-            <a:noAutofit/>
-          </a:bodyPr>
+          <a:bodyPr/>
           <a:lstStyle/>
           <a:p>
-            <a:pPr marL="0" lvl="0" indent="0" algn="l" rtl="0">
-              <a:lnSpc>
-                <a:spcPct val="100000"/>
-              </a:lnSpc>
-              <a:spcBef>
-                <a:spcPts val="0"/>
-              </a:spcBef>
-              <a:spcAft>
-                <a:spcPts val="0"/>
-              </a:spcAft>
-              <a:buSzPts val="1400"/>
-              <a:buNone/>
-            </a:pPr>
-            <a:endParaRPr/>
+            <a:r>
+              <a:rPr lang="es-ES" dirty="0">
+                <a:hlinkClick r:id="rId3"/>
+              </a:rPr>
+              <a:t>https://builtin.com/data-science/supervised-machine-learning-classification</a:t>
+            </a:r>
+            <a:endParaRPr lang="en-US" dirty="0"/>
           </a:p>
         </p:txBody>
       </p:sp>
       <p:sp>
         <p:nvSpPr>
-          <p:cNvPr id="122" name="Google Shape;122;p4:notes"/>
-          <p:cNvSpPr txBox="1">
+          <p:cNvPr id="4" name="Marcador de número de diapositiva 3"/>
+          <p:cNvSpPr>
             <a:spLocks noGrp="1"/>
           </p:cNvSpPr>
           <p:nvPr>
-            <p:ph type="sldNum" idx="12"/>
+            <p:ph type="sldNum" sz="quarter" idx="10"/>
           </p:nvPr>
         </p:nvSpPr>
-        <p:spPr>
-          <a:xfrm>
-            <a:off x="3884613" y="8685213"/>
-            <a:ext cx="2971800" cy="458787"/>
-          </a:xfrm>
-          <a:prstGeom prst="rect">
-            <a:avLst/>
-          </a:prstGeom>
-          <a:noFill/>
-          <a:ln>
-            <a:noFill/>
-          </a:ln>
-        </p:spPr>
+        <p:spPr/>
         <p:txBody>
-          <a:bodyPr spcFirstLastPara="1" wrap="square" lIns="91425" tIns="45700" rIns="91425" bIns="45700" anchor="b" anchorCtr="0">
-            <a:noAutofit/>
-          </a:bodyPr>
+          <a:bodyPr/>
           <a:lstStyle/>
           <a:p>
-            <a:pPr marL="0" lvl="0" indent="0" algn="r" rtl="0">
-              <a:lnSpc>
-                <a:spcPct val="100000"/>
-              </a:lnSpc>
-              <a:spcBef>
-                <a:spcPts val="0"/>
-              </a:spcBef>
-              <a:spcAft>
-                <a:spcPts val="0"/>
-              </a:spcAft>
-              <a:buClr>
-                <a:schemeClr val="dk1"/>
-              </a:buClr>
-              <a:buSzPts val="1400"/>
-              <a:buFont typeface="Arial"/>
-              <a:buNone/>
-            </a:pPr>
-            <a:fld id="{00000000-1234-1234-1234-123412341234}" type="slidenum">
-              <a:rPr lang="en-US"/>
+            <a:fld id="{5BC05090-5C0E-45B5-BB81-37C4A9E4751F}" type="slidenum">
+              <a:rPr lang="es-ES" smtClean="0"/>
               <a:t>6</a:t>
             </a:fld>
-            <a:endParaRPr/>
+            <a:endParaRPr lang="es-ES"/>
           </a:p>
         </p:txBody>
       </p:sp>
     </p:spTree>
     <p:extLst>
       <p:ext uri="{BB962C8B-B14F-4D97-AF65-F5344CB8AC3E}">
-        <p14:creationId xmlns:p14="http://schemas.microsoft.com/office/powerpoint/2010/main" val="1475319425"/>
+        <p14:creationId xmlns:p14="http://schemas.microsoft.com/office/powerpoint/2010/main" val="2306236009"/>
       </p:ext>
     </p:extLst>
   </p:cSld>
@@ -10537,7 +10446,7 @@
           <a:p>
             <a:fld id="{7FAB1C2F-660B-4FB2-9EDA-38B91744BDF7}" type="datetimeFigureOut">
               <a:rPr lang="es-ES" smtClean="0"/>
-              <a:t>19/12/2022</a:t>
+              <a:t>20/12/2022</a:t>
             </a:fld>
             <a:endParaRPr lang="es-ES"/>
           </a:p>
@@ -13437,7 +13346,7 @@
                 <a:hlinkClick r:id="rId3">
                   <a:extLst>
                     <a:ext uri="{A12FA001-AC4F-418D-AE19-62706E023703}">
-                      <ahyp:hlinkClr xmlns="" xmlns:mc="http://schemas.openxmlformats.org/markup-compatibility/2006" xmlns:mv="urn:schemas-microsoft-com:mac:vml" xmlns:c="http://schemas.openxmlformats.org/drawingml/2006/chart" xmlns:dgm="http://schemas.openxmlformats.org/drawingml/2006/diagram" xmlns:o="urn:schemas-microsoft-com:office:office" xmlns:v="urn:schemas-microsoft-com:vml" xmlns:pvml="urn:schemas-microsoft-com:office:powerpoint" xmlns:com="http://schemas.openxmlformats.org/drawingml/2006/compatibility" xmlns:p14="http://schemas.microsoft.com/office/powerpoint/2010/main" xmlns:p15="http://schemas.microsoft.com/office/powerpoint/2012/main" xmlns:ahyp="http://schemas.microsoft.com/office/drawing/2018/hyperlinkcolor" val="tx"/>
+                      <ahyp:hlinkClr xmlns:ahyp="http://schemas.microsoft.com/office/drawing/2018/hyperlinkcolor" xmlns:p15="http://schemas.microsoft.com/office/powerpoint/2012/main" xmlns:p14="http://schemas.microsoft.com/office/powerpoint/2010/main" xmlns:com="http://schemas.openxmlformats.org/drawingml/2006/compatibility" xmlns:pvml="urn:schemas-microsoft-com:office:powerpoint" xmlns:v="urn:schemas-microsoft-com:vml" xmlns:o="urn:schemas-microsoft-com:office:office" xmlns:dgm="http://schemas.openxmlformats.org/drawingml/2006/diagram" xmlns:c="http://schemas.openxmlformats.org/drawingml/2006/chart" xmlns:mv="urn:schemas-microsoft-com:mac:vml" xmlns:mc="http://schemas.openxmlformats.org/markup-compatibility/2006" xmlns="" val="tx"/>
                     </a:ext>
                   </a:extLst>
                 </a:hlinkClick>
@@ -15667,7 +15576,7 @@
                 <a:hlinkClick r:id="rId4">
                   <a:extLst>
                     <a:ext uri="{A12FA001-AC4F-418D-AE19-62706E023703}">
-                      <ahyp:hlinkClr xmlns="" xmlns:mc="http://schemas.openxmlformats.org/markup-compatibility/2006" xmlns:mv="urn:schemas-microsoft-com:mac:vml" xmlns:c="http://schemas.openxmlformats.org/drawingml/2006/chart" xmlns:dgm="http://schemas.openxmlformats.org/drawingml/2006/diagram" xmlns:o="urn:schemas-microsoft-com:office:office" xmlns:v="urn:schemas-microsoft-com:vml" xmlns:pvml="urn:schemas-microsoft-com:office:powerpoint" xmlns:com="http://schemas.openxmlformats.org/drawingml/2006/compatibility" xmlns:p14="http://schemas.microsoft.com/office/powerpoint/2010/main" xmlns:p15="http://schemas.microsoft.com/office/powerpoint/2012/main" xmlns:ahyp="http://schemas.microsoft.com/office/drawing/2018/hyperlinkcolor" val="tx"/>
+                      <ahyp:hlinkClr xmlns:ahyp="http://schemas.microsoft.com/office/drawing/2018/hyperlinkcolor" xmlns:p15="http://schemas.microsoft.com/office/powerpoint/2012/main" xmlns:p14="http://schemas.microsoft.com/office/powerpoint/2010/main" xmlns:com="http://schemas.openxmlformats.org/drawingml/2006/compatibility" xmlns:pvml="urn:schemas-microsoft-com:office:powerpoint" xmlns:v="urn:schemas-microsoft-com:vml" xmlns:o="urn:schemas-microsoft-com:office:office" xmlns:dgm="http://schemas.openxmlformats.org/drawingml/2006/diagram" xmlns:c="http://schemas.openxmlformats.org/drawingml/2006/chart" xmlns:mv="urn:schemas-microsoft-com:mac:vml" xmlns:mc="http://schemas.openxmlformats.org/markup-compatibility/2006" xmlns="" val="tx"/>
                     </a:ext>
                   </a:extLst>
                 </a:hlinkClick>
@@ -16310,7 +16219,7 @@
                 <a:hlinkClick r:id="rId4">
                   <a:extLst>
                     <a:ext uri="{A12FA001-AC4F-418D-AE19-62706E023703}">
-                      <ahyp:hlinkClr xmlns="" xmlns:mc="http://schemas.openxmlformats.org/markup-compatibility/2006" xmlns:mv="urn:schemas-microsoft-com:mac:vml" xmlns:c="http://schemas.openxmlformats.org/drawingml/2006/chart" xmlns:dgm="http://schemas.openxmlformats.org/drawingml/2006/diagram" xmlns:o="urn:schemas-microsoft-com:office:office" xmlns:v="urn:schemas-microsoft-com:vml" xmlns:pvml="urn:schemas-microsoft-com:office:powerpoint" xmlns:com="http://schemas.openxmlformats.org/drawingml/2006/compatibility" xmlns:p14="http://schemas.microsoft.com/office/powerpoint/2010/main" xmlns:p15="http://schemas.microsoft.com/office/powerpoint/2012/main" xmlns:ahyp="http://schemas.microsoft.com/office/drawing/2018/hyperlinkcolor" val="tx"/>
+                      <ahyp:hlinkClr xmlns:ahyp="http://schemas.microsoft.com/office/drawing/2018/hyperlinkcolor" xmlns:p15="http://schemas.microsoft.com/office/powerpoint/2012/main" xmlns:p14="http://schemas.microsoft.com/office/powerpoint/2010/main" xmlns:com="http://schemas.openxmlformats.org/drawingml/2006/compatibility" xmlns:pvml="urn:schemas-microsoft-com:office:powerpoint" xmlns:v="urn:schemas-microsoft-com:vml" xmlns:o="urn:schemas-microsoft-com:office:office" xmlns:dgm="http://schemas.openxmlformats.org/drawingml/2006/diagram" xmlns:c="http://schemas.openxmlformats.org/drawingml/2006/chart" xmlns:mv="urn:schemas-microsoft-com:mac:vml" xmlns:mc="http://schemas.openxmlformats.org/markup-compatibility/2006" xmlns="" val="tx"/>
                     </a:ext>
                   </a:extLst>
                 </a:hlinkClick>
@@ -16445,7 +16354,7 @@
                 <a:hlinkClick r:id="rId5">
                   <a:extLst>
                     <a:ext uri="{A12FA001-AC4F-418D-AE19-62706E023703}">
-                      <ahyp:hlinkClr xmlns="" xmlns:mc="http://schemas.openxmlformats.org/markup-compatibility/2006" xmlns:mv="urn:schemas-microsoft-com:mac:vml" xmlns:c="http://schemas.openxmlformats.org/drawingml/2006/chart" xmlns:dgm="http://schemas.openxmlformats.org/drawingml/2006/diagram" xmlns:o="urn:schemas-microsoft-com:office:office" xmlns:v="urn:schemas-microsoft-com:vml" xmlns:pvml="urn:schemas-microsoft-com:office:powerpoint" xmlns:com="http://schemas.openxmlformats.org/drawingml/2006/compatibility" xmlns:p14="http://schemas.microsoft.com/office/powerpoint/2010/main" xmlns:p15="http://schemas.microsoft.com/office/powerpoint/2012/main" xmlns:ahyp="http://schemas.microsoft.com/office/drawing/2018/hyperlinkcolor" val="tx"/>
+                      <ahyp:hlinkClr xmlns:ahyp="http://schemas.microsoft.com/office/drawing/2018/hyperlinkcolor" xmlns:p15="http://schemas.microsoft.com/office/powerpoint/2012/main" xmlns:p14="http://schemas.microsoft.com/office/powerpoint/2010/main" xmlns:com="http://schemas.openxmlformats.org/drawingml/2006/compatibility" xmlns:pvml="urn:schemas-microsoft-com:office:powerpoint" xmlns:v="urn:schemas-microsoft-com:vml" xmlns:o="urn:schemas-microsoft-com:office:office" xmlns:dgm="http://schemas.openxmlformats.org/drawingml/2006/diagram" xmlns:c="http://schemas.openxmlformats.org/drawingml/2006/chart" xmlns:mv="urn:schemas-microsoft-com:mac:vml" xmlns:mc="http://schemas.openxmlformats.org/markup-compatibility/2006" xmlns="" val="tx"/>
                     </a:ext>
                   </a:extLst>
                 </a:hlinkClick>
@@ -21470,7 +21379,7 @@
   <p:cSld>
     <p:spTree>
       <p:nvGrpSpPr>
-        <p:cNvPr id="1" name="Shape 123"/>
+        <p:cNvPr id="1" name=""/>
         <p:cNvGrpSpPr/>
         <p:nvPr/>
       </p:nvGrpSpPr>
@@ -21484,7 +21393,2155 @@
       </p:grpSpPr>
       <p:sp>
         <p:nvSpPr>
-          <p:cNvPr id="125" name="Google Shape;125;p4"/>
+          <p:cNvPr id="4" name="Marcador de número de diapositiva 3"/>
+          <p:cNvSpPr>
+            <a:spLocks noGrp="1"/>
+          </p:cNvSpPr>
+          <p:nvPr>
+            <p:ph type="sldNum" sz="quarter" idx="12"/>
+          </p:nvPr>
+        </p:nvSpPr>
+        <p:spPr>
+          <a:xfrm>
+            <a:off x="6457950" y="6275849"/>
+            <a:ext cx="2057400" cy="365125"/>
+          </a:xfrm>
+        </p:spPr>
+        <p:txBody>
+          <a:bodyPr/>
+          <a:lstStyle/>
+          <a:p>
+            <a:fld id="{F72B40EF-D53A-41AA-87B6-B9F74BA43E09}" type="slidenum">
+              <a:rPr lang="es-ES" smtClean="0"/>
+              <a:t>6</a:t>
+            </a:fld>
+            <a:endParaRPr lang="es-ES"/>
+          </a:p>
+        </p:txBody>
+      </p:sp>
+      <p:sp>
+        <p:nvSpPr>
+          <p:cNvPr id="6" name="Elipse 5"/>
+          <p:cNvSpPr/>
+          <p:nvPr/>
+        </p:nvSpPr>
+        <p:spPr>
+          <a:xfrm>
+            <a:off x="1813983" y="2796116"/>
+            <a:ext cx="794598" cy="794598"/>
+          </a:xfrm>
+          <a:prstGeom prst="ellipse">
+            <a:avLst/>
+          </a:prstGeom>
+          <a:solidFill>
+            <a:schemeClr val="accent1">
+              <a:lumMod val="40000"/>
+              <a:lumOff val="60000"/>
+            </a:schemeClr>
+          </a:solidFill>
+          <a:ln w="57150">
+            <a:solidFill>
+              <a:srgbClr val="002060"/>
+            </a:solidFill>
+          </a:ln>
+        </p:spPr>
+        <p:style>
+          <a:lnRef idx="2">
+            <a:schemeClr val="accent1">
+              <a:shade val="50000"/>
+            </a:schemeClr>
+          </a:lnRef>
+          <a:fillRef idx="1">
+            <a:schemeClr val="accent1"/>
+          </a:fillRef>
+          <a:effectRef idx="0">
+            <a:schemeClr val="accent1"/>
+          </a:effectRef>
+          <a:fontRef idx="minor">
+            <a:schemeClr val="lt1"/>
+          </a:fontRef>
+        </p:style>
+        <p:txBody>
+          <a:bodyPr rtlCol="0" anchor="ctr"/>
+          <a:lstStyle/>
+          <a:p>
+            <a:pPr algn="ctr"/>
+            <a:endParaRPr lang="en-US"/>
+          </a:p>
+        </p:txBody>
+      </p:sp>
+      <p:sp>
+        <p:nvSpPr>
+          <p:cNvPr id="7" name="Elipse 6"/>
+          <p:cNvSpPr/>
+          <p:nvPr/>
+        </p:nvSpPr>
+        <p:spPr>
+          <a:xfrm>
+            <a:off x="3241931" y="2813071"/>
+            <a:ext cx="794598" cy="794598"/>
+          </a:xfrm>
+          <a:prstGeom prst="ellipse">
+            <a:avLst/>
+          </a:prstGeom>
+          <a:solidFill>
+            <a:schemeClr val="accent1">
+              <a:lumMod val="40000"/>
+              <a:lumOff val="60000"/>
+            </a:schemeClr>
+          </a:solidFill>
+          <a:ln w="57150">
+            <a:solidFill>
+              <a:srgbClr val="002060"/>
+            </a:solidFill>
+          </a:ln>
+        </p:spPr>
+        <p:style>
+          <a:lnRef idx="2">
+            <a:schemeClr val="accent1">
+              <a:shade val="50000"/>
+            </a:schemeClr>
+          </a:lnRef>
+          <a:fillRef idx="1">
+            <a:schemeClr val="accent1"/>
+          </a:fillRef>
+          <a:effectRef idx="0">
+            <a:schemeClr val="accent1"/>
+          </a:effectRef>
+          <a:fontRef idx="minor">
+            <a:schemeClr val="lt1"/>
+          </a:fontRef>
+        </p:style>
+        <p:txBody>
+          <a:bodyPr rtlCol="0" anchor="ctr"/>
+          <a:lstStyle/>
+          <a:p>
+            <a:pPr algn="ctr"/>
+            <a:endParaRPr lang="en-US"/>
+          </a:p>
+        </p:txBody>
+      </p:sp>
+      <p:sp>
+        <p:nvSpPr>
+          <p:cNvPr id="8" name="Elipse 7"/>
+          <p:cNvSpPr/>
+          <p:nvPr/>
+        </p:nvSpPr>
+        <p:spPr>
+          <a:xfrm>
+            <a:off x="4561130" y="2804109"/>
+            <a:ext cx="794598" cy="794598"/>
+          </a:xfrm>
+          <a:prstGeom prst="ellipse">
+            <a:avLst/>
+          </a:prstGeom>
+          <a:solidFill>
+            <a:schemeClr val="accent1">
+              <a:lumMod val="40000"/>
+              <a:lumOff val="60000"/>
+            </a:schemeClr>
+          </a:solidFill>
+          <a:ln w="57150">
+            <a:solidFill>
+              <a:srgbClr val="002060"/>
+            </a:solidFill>
+          </a:ln>
+        </p:spPr>
+        <p:style>
+          <a:lnRef idx="2">
+            <a:schemeClr val="accent1">
+              <a:shade val="50000"/>
+            </a:schemeClr>
+          </a:lnRef>
+          <a:fillRef idx="1">
+            <a:schemeClr val="accent1"/>
+          </a:fillRef>
+          <a:effectRef idx="0">
+            <a:schemeClr val="accent1"/>
+          </a:effectRef>
+          <a:fontRef idx="minor">
+            <a:schemeClr val="lt1"/>
+          </a:fontRef>
+        </p:style>
+        <p:txBody>
+          <a:bodyPr rtlCol="0" anchor="ctr"/>
+          <a:lstStyle/>
+          <a:p>
+            <a:pPr algn="ctr"/>
+            <a:endParaRPr lang="en-US"/>
+          </a:p>
+        </p:txBody>
+      </p:sp>
+      <p:sp>
+        <p:nvSpPr>
+          <p:cNvPr id="9" name="Elipse 8"/>
+          <p:cNvSpPr/>
+          <p:nvPr/>
+        </p:nvSpPr>
+        <p:spPr>
+          <a:xfrm>
+            <a:off x="4561683" y="4042853"/>
+            <a:ext cx="794598" cy="794598"/>
+          </a:xfrm>
+          <a:prstGeom prst="ellipse">
+            <a:avLst/>
+          </a:prstGeom>
+          <a:solidFill>
+            <a:schemeClr val="accent1">
+              <a:lumMod val="40000"/>
+              <a:lumOff val="60000"/>
+            </a:schemeClr>
+          </a:solidFill>
+          <a:ln w="57150">
+            <a:solidFill>
+              <a:srgbClr val="002060"/>
+            </a:solidFill>
+          </a:ln>
+        </p:spPr>
+        <p:style>
+          <a:lnRef idx="2">
+            <a:schemeClr val="accent1">
+              <a:shade val="50000"/>
+            </a:schemeClr>
+          </a:lnRef>
+          <a:fillRef idx="1">
+            <a:schemeClr val="accent1"/>
+          </a:fillRef>
+          <a:effectRef idx="0">
+            <a:schemeClr val="accent1"/>
+          </a:effectRef>
+          <a:fontRef idx="minor">
+            <a:schemeClr val="lt1"/>
+          </a:fontRef>
+        </p:style>
+        <p:txBody>
+          <a:bodyPr rtlCol="0" anchor="ctr"/>
+          <a:lstStyle/>
+          <a:p>
+            <a:pPr algn="ctr"/>
+            <a:endParaRPr lang="en-US"/>
+          </a:p>
+        </p:txBody>
+      </p:sp>
+      <p:sp>
+        <p:nvSpPr>
+          <p:cNvPr id="10" name="Elipse 9"/>
+          <p:cNvSpPr/>
+          <p:nvPr/>
+        </p:nvSpPr>
+        <p:spPr>
+          <a:xfrm>
+            <a:off x="5878896" y="2802565"/>
+            <a:ext cx="794598" cy="794598"/>
+          </a:xfrm>
+          <a:prstGeom prst="ellipse">
+            <a:avLst/>
+          </a:prstGeom>
+          <a:solidFill>
+            <a:schemeClr val="accent1">
+              <a:lumMod val="40000"/>
+              <a:lumOff val="60000"/>
+            </a:schemeClr>
+          </a:solidFill>
+          <a:ln w="57150">
+            <a:solidFill>
+              <a:srgbClr val="002060"/>
+            </a:solidFill>
+          </a:ln>
+        </p:spPr>
+        <p:style>
+          <a:lnRef idx="2">
+            <a:schemeClr val="accent1">
+              <a:shade val="50000"/>
+            </a:schemeClr>
+          </a:lnRef>
+          <a:fillRef idx="1">
+            <a:schemeClr val="accent1"/>
+          </a:fillRef>
+          <a:effectRef idx="0">
+            <a:schemeClr val="accent1"/>
+          </a:effectRef>
+          <a:fontRef idx="minor">
+            <a:schemeClr val="lt1"/>
+          </a:fontRef>
+        </p:style>
+        <p:txBody>
+          <a:bodyPr rtlCol="0" anchor="ctr"/>
+          <a:lstStyle/>
+          <a:p>
+            <a:pPr algn="ctr"/>
+            <a:endParaRPr lang="en-US"/>
+          </a:p>
+        </p:txBody>
+      </p:sp>
+      <p:sp>
+        <p:nvSpPr>
+          <p:cNvPr id="11" name="Elipse 10"/>
+          <p:cNvSpPr/>
+          <p:nvPr/>
+        </p:nvSpPr>
+        <p:spPr>
+          <a:xfrm>
+            <a:off x="7213641" y="2796116"/>
+            <a:ext cx="794598" cy="794598"/>
+          </a:xfrm>
+          <a:prstGeom prst="ellipse">
+            <a:avLst/>
+          </a:prstGeom>
+          <a:solidFill>
+            <a:schemeClr val="accent1">
+              <a:lumMod val="40000"/>
+              <a:lumOff val="60000"/>
+            </a:schemeClr>
+          </a:solidFill>
+          <a:ln w="57150">
+            <a:solidFill>
+              <a:srgbClr val="002060"/>
+            </a:solidFill>
+          </a:ln>
+        </p:spPr>
+        <p:style>
+          <a:lnRef idx="2">
+            <a:schemeClr val="accent1">
+              <a:shade val="50000"/>
+            </a:schemeClr>
+          </a:lnRef>
+          <a:fillRef idx="1">
+            <a:schemeClr val="accent1"/>
+          </a:fillRef>
+          <a:effectRef idx="0">
+            <a:schemeClr val="accent1"/>
+          </a:effectRef>
+          <a:fontRef idx="minor">
+            <a:schemeClr val="lt1"/>
+          </a:fontRef>
+        </p:style>
+        <p:txBody>
+          <a:bodyPr rtlCol="0" anchor="ctr"/>
+          <a:lstStyle/>
+          <a:p>
+            <a:pPr algn="ctr"/>
+            <a:endParaRPr lang="en-US"/>
+          </a:p>
+        </p:txBody>
+      </p:sp>
+      <p:sp>
+        <p:nvSpPr>
+          <p:cNvPr id="12" name="Elipse 11"/>
+          <p:cNvSpPr/>
+          <p:nvPr/>
+        </p:nvSpPr>
+        <p:spPr>
+          <a:xfrm>
+            <a:off x="7225879" y="4648954"/>
+            <a:ext cx="794598" cy="794598"/>
+          </a:xfrm>
+          <a:prstGeom prst="ellipse">
+            <a:avLst/>
+          </a:prstGeom>
+          <a:solidFill>
+            <a:schemeClr val="accent1">
+              <a:lumMod val="40000"/>
+              <a:lumOff val="60000"/>
+            </a:schemeClr>
+          </a:solidFill>
+          <a:ln w="57150">
+            <a:solidFill>
+              <a:srgbClr val="002060"/>
+            </a:solidFill>
+          </a:ln>
+        </p:spPr>
+        <p:style>
+          <a:lnRef idx="2">
+            <a:schemeClr val="accent1">
+              <a:shade val="50000"/>
+            </a:schemeClr>
+          </a:lnRef>
+          <a:fillRef idx="1">
+            <a:schemeClr val="accent1"/>
+          </a:fillRef>
+          <a:effectRef idx="0">
+            <a:schemeClr val="accent1"/>
+          </a:effectRef>
+          <a:fontRef idx="minor">
+            <a:schemeClr val="lt1"/>
+          </a:fontRef>
+        </p:style>
+        <p:txBody>
+          <a:bodyPr rtlCol="0" anchor="ctr"/>
+          <a:lstStyle/>
+          <a:p>
+            <a:pPr algn="ctr"/>
+            <a:endParaRPr lang="en-US"/>
+          </a:p>
+        </p:txBody>
+      </p:sp>
+      <p:sp>
+        <p:nvSpPr>
+          <p:cNvPr id="13" name="Elipse 12"/>
+          <p:cNvSpPr/>
+          <p:nvPr/>
+        </p:nvSpPr>
+        <p:spPr>
+          <a:xfrm>
+            <a:off x="526970" y="2813071"/>
+            <a:ext cx="794598" cy="794598"/>
+          </a:xfrm>
+          <a:prstGeom prst="ellipse">
+            <a:avLst/>
+          </a:prstGeom>
+          <a:solidFill>
+            <a:schemeClr val="accent1">
+              <a:lumMod val="40000"/>
+              <a:lumOff val="60000"/>
+            </a:schemeClr>
+          </a:solidFill>
+          <a:ln w="57150">
+            <a:solidFill>
+              <a:srgbClr val="002060"/>
+            </a:solidFill>
+          </a:ln>
+        </p:spPr>
+        <p:style>
+          <a:lnRef idx="2">
+            <a:schemeClr val="accent1">
+              <a:shade val="50000"/>
+            </a:schemeClr>
+          </a:lnRef>
+          <a:fillRef idx="1">
+            <a:schemeClr val="accent1"/>
+          </a:fillRef>
+          <a:effectRef idx="0">
+            <a:schemeClr val="accent1"/>
+          </a:effectRef>
+          <a:fontRef idx="minor">
+            <a:schemeClr val="lt1"/>
+          </a:fontRef>
+        </p:style>
+        <p:txBody>
+          <a:bodyPr rtlCol="0" anchor="ctr"/>
+          <a:lstStyle/>
+          <a:p>
+            <a:pPr algn="ctr"/>
+            <a:endParaRPr lang="en-US"/>
+          </a:p>
+        </p:txBody>
+      </p:sp>
+      <p:pic>
+        <p:nvPicPr>
+          <p:cNvPr id="15" name="Imagen 14"/>
+          <p:cNvPicPr>
+            <a:picLocks noChangeAspect="1"/>
+          </p:cNvPicPr>
+          <p:nvPr/>
+        </p:nvPicPr>
+        <p:blipFill>
+          <a:blip r:embed="rId3" cstate="print">
+            <a:extLst>
+              <a:ext uri="{28A0092B-C50C-407E-A947-70E740481C1C}">
+                <a14:useLocalDpi xmlns:a14="http://schemas.microsoft.com/office/drawing/2010/main" val="0"/>
+              </a:ext>
+            </a:extLst>
+          </a:blip>
+          <a:stretch>
+            <a:fillRect/>
+          </a:stretch>
+        </p:blipFill>
+        <p:spPr>
+          <a:xfrm>
+            <a:off x="3369746" y="4128862"/>
+            <a:ext cx="600301" cy="600301"/>
+          </a:xfrm>
+          <a:prstGeom prst="rect">
+            <a:avLst/>
+          </a:prstGeom>
+        </p:spPr>
+      </p:pic>
+      <p:pic>
+        <p:nvPicPr>
+          <p:cNvPr id="16" name="Imagen 15"/>
+          <p:cNvPicPr>
+            <a:picLocks noChangeAspect="1"/>
+          </p:cNvPicPr>
+          <p:nvPr/>
+        </p:nvPicPr>
+        <p:blipFill>
+          <a:blip r:embed="rId4" cstate="print">
+            <a:extLst>
+              <a:ext uri="{28A0092B-C50C-407E-A947-70E740481C1C}">
+                <a14:useLocalDpi xmlns:a14="http://schemas.microsoft.com/office/drawing/2010/main" val="0"/>
+              </a:ext>
+            </a:extLst>
+          </a:blip>
+          <a:stretch>
+            <a:fillRect/>
+          </a:stretch>
+        </p:blipFill>
+        <p:spPr>
+          <a:xfrm>
+            <a:off x="694545" y="2991219"/>
+            <a:ext cx="438303" cy="438303"/>
+          </a:xfrm>
+          <a:prstGeom prst="rect">
+            <a:avLst/>
+          </a:prstGeom>
+        </p:spPr>
+      </p:pic>
+      <p:pic>
+        <p:nvPicPr>
+          <p:cNvPr id="17" name="Imagen 16"/>
+          <p:cNvPicPr>
+            <a:picLocks noChangeAspect="1"/>
+          </p:cNvPicPr>
+          <p:nvPr/>
+        </p:nvPicPr>
+        <p:blipFill>
+          <a:blip r:embed="rId5" cstate="print">
+            <a:extLst>
+              <a:ext uri="{28A0092B-C50C-407E-A947-70E740481C1C}">
+                <a14:useLocalDpi xmlns:a14="http://schemas.microsoft.com/office/drawing/2010/main" val="0"/>
+              </a:ext>
+            </a:extLst>
+          </a:blip>
+          <a:stretch>
+            <a:fillRect/>
+          </a:stretch>
+        </p:blipFill>
+        <p:spPr>
+          <a:xfrm>
+            <a:off x="4647088" y="2903419"/>
+            <a:ext cx="641747" cy="641747"/>
+          </a:xfrm>
+          <a:prstGeom prst="rect">
+            <a:avLst/>
+          </a:prstGeom>
+        </p:spPr>
+      </p:pic>
+      <p:pic>
+        <p:nvPicPr>
+          <p:cNvPr id="18" name="Imagen 17"/>
+          <p:cNvPicPr>
+            <a:picLocks noChangeAspect="1"/>
+          </p:cNvPicPr>
+          <p:nvPr/>
+        </p:nvPicPr>
+        <p:blipFill>
+          <a:blip r:embed="rId6" cstate="print">
+            <a:extLst>
+              <a:ext uri="{28A0092B-C50C-407E-A947-70E740481C1C}">
+                <a14:useLocalDpi xmlns:a14="http://schemas.microsoft.com/office/drawing/2010/main" val="0"/>
+              </a:ext>
+            </a:extLst>
+          </a:blip>
+          <a:stretch>
+            <a:fillRect/>
+          </a:stretch>
+        </p:blipFill>
+        <p:spPr>
+          <a:xfrm>
+            <a:off x="7317728" y="4747405"/>
+            <a:ext cx="610899" cy="610899"/>
+          </a:xfrm>
+          <a:prstGeom prst="rect">
+            <a:avLst/>
+          </a:prstGeom>
+        </p:spPr>
+      </p:pic>
+      <p:pic>
+        <p:nvPicPr>
+          <p:cNvPr id="19" name="Imagen 18"/>
+          <p:cNvPicPr>
+            <a:picLocks noChangeAspect="1"/>
+          </p:cNvPicPr>
+          <p:nvPr/>
+        </p:nvPicPr>
+        <p:blipFill>
+          <a:blip r:embed="rId7" cstate="print">
+            <a:extLst>
+              <a:ext uri="{28A0092B-C50C-407E-A947-70E740481C1C}">
+                <a14:useLocalDpi xmlns:a14="http://schemas.microsoft.com/office/drawing/2010/main" val="0"/>
+              </a:ext>
+            </a:extLst>
+          </a:blip>
+          <a:stretch>
+            <a:fillRect/>
+          </a:stretch>
+        </p:blipFill>
+        <p:spPr>
+          <a:xfrm>
+            <a:off x="3313738" y="5277961"/>
+            <a:ext cx="568332" cy="568332"/>
+          </a:xfrm>
+          <a:prstGeom prst="rect">
+            <a:avLst/>
+          </a:prstGeom>
+        </p:spPr>
+      </p:pic>
+      <p:pic>
+        <p:nvPicPr>
+          <p:cNvPr id="20" name="Imagen 19"/>
+          <p:cNvPicPr>
+            <a:picLocks noChangeAspect="1"/>
+          </p:cNvPicPr>
+          <p:nvPr/>
+        </p:nvPicPr>
+        <p:blipFill>
+          <a:blip r:embed="rId8" cstate="print">
+            <a:extLst>
+              <a:ext uri="{28A0092B-C50C-407E-A947-70E740481C1C}">
+                <a14:useLocalDpi xmlns:a14="http://schemas.microsoft.com/office/drawing/2010/main" val="0"/>
+              </a:ext>
+            </a:extLst>
+          </a:blip>
+          <a:stretch>
+            <a:fillRect/>
+          </a:stretch>
+        </p:blipFill>
+        <p:spPr>
+          <a:xfrm>
+            <a:off x="4714650" y="4146514"/>
+            <a:ext cx="532523" cy="532523"/>
+          </a:xfrm>
+          <a:prstGeom prst="rect">
+            <a:avLst/>
+          </a:prstGeom>
+        </p:spPr>
+      </p:pic>
+      <p:pic>
+        <p:nvPicPr>
+          <p:cNvPr id="21" name="Imagen 20"/>
+          <p:cNvPicPr>
+            <a:picLocks noChangeAspect="1"/>
+          </p:cNvPicPr>
+          <p:nvPr/>
+        </p:nvPicPr>
+        <p:blipFill>
+          <a:blip r:embed="rId9" cstate="print">
+            <a:extLst>
+              <a:ext uri="{28A0092B-C50C-407E-A947-70E740481C1C}">
+                <a14:useLocalDpi xmlns:a14="http://schemas.microsoft.com/office/drawing/2010/main" val="0"/>
+              </a:ext>
+            </a:extLst>
+          </a:blip>
+          <a:stretch>
+            <a:fillRect/>
+          </a:stretch>
+        </p:blipFill>
+        <p:spPr>
+          <a:xfrm>
+            <a:off x="1946921" y="2936063"/>
+            <a:ext cx="528721" cy="528721"/>
+          </a:xfrm>
+          <a:prstGeom prst="rect">
+            <a:avLst/>
+          </a:prstGeom>
+        </p:spPr>
+      </p:pic>
+      <p:sp>
+        <p:nvSpPr>
+          <p:cNvPr id="22" name="CuadroTexto 21"/>
+          <p:cNvSpPr txBox="1"/>
+          <p:nvPr/>
+        </p:nvSpPr>
+        <p:spPr>
+          <a:xfrm>
+            <a:off x="401643" y="2244257"/>
+            <a:ext cx="1039905" cy="430887"/>
+          </a:xfrm>
+          <a:prstGeom prst="rect">
+            <a:avLst/>
+          </a:prstGeom>
+          <a:noFill/>
+        </p:spPr>
+        <p:txBody>
+          <a:bodyPr wrap="square" rtlCol="0">
+            <a:spAutoFit/>
+          </a:bodyPr>
+          <a:lstStyle/>
+          <a:p>
+            <a:pPr algn="ctr"/>
+            <a:r>
+              <a:rPr lang="es-ES" sz="1100" b="1" dirty="0">
+                <a:solidFill>
+                  <a:srgbClr val="002060"/>
+                </a:solidFill>
+              </a:rPr>
+              <a:t>CONJUNTO DE DATOS</a:t>
+            </a:r>
+            <a:endParaRPr lang="en-US" sz="1100" b="1" dirty="0">
+              <a:solidFill>
+                <a:srgbClr val="002060"/>
+              </a:solidFill>
+            </a:endParaRPr>
+          </a:p>
+        </p:txBody>
+      </p:sp>
+      <p:sp>
+        <p:nvSpPr>
+          <p:cNvPr id="23" name="CuadroTexto 22"/>
+          <p:cNvSpPr txBox="1"/>
+          <p:nvPr/>
+        </p:nvSpPr>
+        <p:spPr>
+          <a:xfrm>
+            <a:off x="1628803" y="2228078"/>
+            <a:ext cx="1197248" cy="430887"/>
+          </a:xfrm>
+          <a:prstGeom prst="rect">
+            <a:avLst/>
+          </a:prstGeom>
+          <a:noFill/>
+        </p:spPr>
+        <p:txBody>
+          <a:bodyPr wrap="square" rtlCol="0">
+            <a:spAutoFit/>
+          </a:bodyPr>
+          <a:lstStyle>
+            <a:defPPr>
+              <a:defRPr lang="es-ES"/>
+            </a:defPPr>
+            <a:lvl1pPr>
+              <a:defRPr sz="1400" b="1">
+                <a:solidFill>
+                  <a:srgbClr val="002060"/>
+                </a:solidFill>
+              </a:defRPr>
+            </a:lvl1pPr>
+          </a:lstStyle>
+          <a:p>
+            <a:pPr algn="ctr"/>
+            <a:r>
+              <a:rPr lang="es-ES" sz="1100" dirty="0"/>
+              <a:t>1. COMPRENDER LOS DATOS</a:t>
+            </a:r>
+            <a:endParaRPr lang="en-US" sz="1100" dirty="0"/>
+          </a:p>
+        </p:txBody>
+      </p:sp>
+      <p:sp>
+        <p:nvSpPr>
+          <p:cNvPr id="24" name="CuadroTexto 23"/>
+          <p:cNvSpPr txBox="1"/>
+          <p:nvPr/>
+        </p:nvSpPr>
+        <p:spPr>
+          <a:xfrm>
+            <a:off x="2980987" y="2249841"/>
+            <a:ext cx="1249021" cy="430887"/>
+          </a:xfrm>
+          <a:prstGeom prst="rect">
+            <a:avLst/>
+          </a:prstGeom>
+          <a:noFill/>
+        </p:spPr>
+        <p:txBody>
+          <a:bodyPr wrap="square" rtlCol="0">
+            <a:spAutoFit/>
+          </a:bodyPr>
+          <a:lstStyle/>
+          <a:p>
+            <a:pPr algn="ctr"/>
+            <a:r>
+              <a:rPr lang="es-ES" sz="1100" b="1" dirty="0">
+                <a:solidFill>
+                  <a:srgbClr val="002060"/>
+                </a:solidFill>
+              </a:rPr>
+              <a:t>2. PREPARAR LOS DATOS</a:t>
+            </a:r>
+            <a:endParaRPr lang="en-US" sz="1100" b="1" dirty="0">
+              <a:solidFill>
+                <a:srgbClr val="002060"/>
+              </a:solidFill>
+            </a:endParaRPr>
+          </a:p>
+        </p:txBody>
+      </p:sp>
+      <p:pic>
+        <p:nvPicPr>
+          <p:cNvPr id="25" name="Imagen 24"/>
+          <p:cNvPicPr>
+            <a:picLocks noChangeAspect="1"/>
+          </p:cNvPicPr>
+          <p:nvPr/>
+        </p:nvPicPr>
+        <p:blipFill>
+          <a:blip r:embed="rId10" cstate="print">
+            <a:extLst>
+              <a:ext uri="{28A0092B-C50C-407E-A947-70E740481C1C}">
+                <a14:useLocalDpi xmlns:a14="http://schemas.microsoft.com/office/drawing/2010/main" val="0"/>
+              </a:ext>
+            </a:extLst>
+          </a:blip>
+          <a:stretch>
+            <a:fillRect/>
+          </a:stretch>
+        </p:blipFill>
+        <p:spPr>
+          <a:xfrm>
+            <a:off x="3344339" y="6196878"/>
+            <a:ext cx="536034" cy="536034"/>
+          </a:xfrm>
+          <a:prstGeom prst="rect">
+            <a:avLst/>
+          </a:prstGeom>
+        </p:spPr>
+      </p:pic>
+      <p:pic>
+        <p:nvPicPr>
+          <p:cNvPr id="26" name="Imagen 25"/>
+          <p:cNvPicPr>
+            <a:picLocks noChangeAspect="1"/>
+          </p:cNvPicPr>
+          <p:nvPr/>
+        </p:nvPicPr>
+        <p:blipFill>
+          <a:blip r:embed="rId11" cstate="print">
+            <a:extLst>
+              <a:ext uri="{28A0092B-C50C-407E-A947-70E740481C1C}">
+                <a14:useLocalDpi xmlns:a14="http://schemas.microsoft.com/office/drawing/2010/main" val="0"/>
+              </a:ext>
+            </a:extLst>
+          </a:blip>
+          <a:stretch>
+            <a:fillRect/>
+          </a:stretch>
+        </p:blipFill>
+        <p:spPr>
+          <a:xfrm>
+            <a:off x="6020704" y="2949602"/>
+            <a:ext cx="506816" cy="506816"/>
+          </a:xfrm>
+          <a:prstGeom prst="rect">
+            <a:avLst/>
+          </a:prstGeom>
+        </p:spPr>
+      </p:pic>
+      <p:pic>
+        <p:nvPicPr>
+          <p:cNvPr id="27" name="Imagen 26"/>
+          <p:cNvPicPr>
+            <a:picLocks noChangeAspect="1"/>
+          </p:cNvPicPr>
+          <p:nvPr/>
+        </p:nvPicPr>
+        <p:blipFill>
+          <a:blip r:embed="rId12" cstate="print">
+            <a:extLst>
+              <a:ext uri="{28A0092B-C50C-407E-A947-70E740481C1C}">
+                <a14:useLocalDpi xmlns:a14="http://schemas.microsoft.com/office/drawing/2010/main" val="0"/>
+              </a:ext>
+            </a:extLst>
+          </a:blip>
+          <a:stretch>
+            <a:fillRect/>
+          </a:stretch>
+        </p:blipFill>
+        <p:spPr>
+          <a:xfrm>
+            <a:off x="1899764" y="4103189"/>
+            <a:ext cx="658893" cy="658893"/>
+          </a:xfrm>
+          <a:prstGeom prst="rect">
+            <a:avLst/>
+          </a:prstGeom>
+        </p:spPr>
+      </p:pic>
+      <p:pic>
+        <p:nvPicPr>
+          <p:cNvPr id="28" name="Imagen 27"/>
+          <p:cNvPicPr>
+            <a:picLocks noChangeAspect="1"/>
+          </p:cNvPicPr>
+          <p:nvPr/>
+        </p:nvPicPr>
+        <p:blipFill>
+          <a:blip r:embed="rId13" cstate="print">
+            <a:extLst>
+              <a:ext uri="{28A0092B-C50C-407E-A947-70E740481C1C}">
+                <a14:useLocalDpi xmlns:a14="http://schemas.microsoft.com/office/drawing/2010/main" val="0"/>
+              </a:ext>
+            </a:extLst>
+          </a:blip>
+          <a:stretch>
+            <a:fillRect/>
+          </a:stretch>
+        </p:blipFill>
+        <p:spPr>
+          <a:xfrm>
+            <a:off x="1924772" y="5154856"/>
+            <a:ext cx="603188" cy="603188"/>
+          </a:xfrm>
+          <a:prstGeom prst="rect">
+            <a:avLst/>
+          </a:prstGeom>
+        </p:spPr>
+      </p:pic>
+      <p:sp>
+        <p:nvSpPr>
+          <p:cNvPr id="29" name="Rectángulo 28"/>
+          <p:cNvSpPr/>
+          <p:nvPr/>
+        </p:nvSpPr>
+        <p:spPr>
+          <a:xfrm>
+            <a:off x="3040788" y="3706083"/>
+            <a:ext cx="1099570" cy="253916"/>
+          </a:xfrm>
+          <a:prstGeom prst="rect">
+            <a:avLst/>
+          </a:prstGeom>
+        </p:spPr>
+        <p:txBody>
+          <a:bodyPr wrap="square">
+            <a:spAutoFit/>
+          </a:bodyPr>
+          <a:lstStyle/>
+          <a:p>
+            <a:pPr algn="ctr"/>
+            <a:r>
+              <a:rPr lang="es-ES" sz="1050" b="1" dirty="0">
+                <a:solidFill>
+                  <a:srgbClr val="0070C0"/>
+                </a:solidFill>
+              </a:rPr>
+              <a:t>DATA CLEANING</a:t>
+            </a:r>
+            <a:endParaRPr lang="en-US" sz="1050" b="1" dirty="0">
+              <a:solidFill>
+                <a:srgbClr val="0070C0"/>
+              </a:solidFill>
+            </a:endParaRPr>
+          </a:p>
+        </p:txBody>
+      </p:sp>
+      <p:sp>
+        <p:nvSpPr>
+          <p:cNvPr id="30" name="Rectángulo 29"/>
+          <p:cNvSpPr/>
+          <p:nvPr/>
+        </p:nvSpPr>
+        <p:spPr>
+          <a:xfrm>
+            <a:off x="2971026" y="4856036"/>
+            <a:ext cx="1259559" cy="415498"/>
+          </a:xfrm>
+          <a:prstGeom prst="rect">
+            <a:avLst/>
+          </a:prstGeom>
+        </p:spPr>
+        <p:txBody>
+          <a:bodyPr wrap="square">
+            <a:spAutoFit/>
+          </a:bodyPr>
+          <a:lstStyle/>
+          <a:p>
+            <a:pPr algn="ctr"/>
+            <a:r>
+              <a:rPr lang="es-ES" sz="1050" b="1" dirty="0">
+                <a:solidFill>
+                  <a:srgbClr val="0070C0"/>
+                </a:solidFill>
+              </a:rPr>
+              <a:t>FEATURING SELECTION</a:t>
+            </a:r>
+            <a:endParaRPr lang="en-US" sz="1050" b="1" dirty="0">
+              <a:solidFill>
+                <a:srgbClr val="0070C0"/>
+              </a:solidFill>
+            </a:endParaRPr>
+          </a:p>
+        </p:txBody>
+      </p:sp>
+      <p:sp>
+        <p:nvSpPr>
+          <p:cNvPr id="31" name="Rectángulo 30"/>
+          <p:cNvSpPr/>
+          <p:nvPr/>
+        </p:nvSpPr>
+        <p:spPr>
+          <a:xfrm>
+            <a:off x="2900525" y="5941044"/>
+            <a:ext cx="1445474" cy="253916"/>
+          </a:xfrm>
+          <a:prstGeom prst="rect">
+            <a:avLst/>
+          </a:prstGeom>
+        </p:spPr>
+        <p:txBody>
+          <a:bodyPr wrap="square">
+            <a:spAutoFit/>
+          </a:bodyPr>
+          <a:lstStyle/>
+          <a:p>
+            <a:pPr algn="ctr"/>
+            <a:r>
+              <a:rPr lang="es-ES" sz="1050" b="1" dirty="0">
+                <a:solidFill>
+                  <a:srgbClr val="0070C0"/>
+                </a:solidFill>
+              </a:rPr>
+              <a:t>TRANSFORMAR</a:t>
+            </a:r>
+            <a:endParaRPr lang="en-US" sz="1050" b="1" dirty="0">
+              <a:solidFill>
+                <a:srgbClr val="0070C0"/>
+              </a:solidFill>
+            </a:endParaRPr>
+          </a:p>
+        </p:txBody>
+      </p:sp>
+      <p:pic>
+        <p:nvPicPr>
+          <p:cNvPr id="32" name="Imagen 31"/>
+          <p:cNvPicPr>
+            <a:picLocks noChangeAspect="1"/>
+          </p:cNvPicPr>
+          <p:nvPr/>
+        </p:nvPicPr>
+        <p:blipFill>
+          <a:blip r:embed="rId14" cstate="print">
+            <a:extLst>
+              <a:ext uri="{28A0092B-C50C-407E-A947-70E740481C1C}">
+                <a14:useLocalDpi xmlns:a14="http://schemas.microsoft.com/office/drawing/2010/main" val="0"/>
+              </a:ext>
+            </a:extLst>
+          </a:blip>
+          <a:stretch>
+            <a:fillRect/>
+          </a:stretch>
+        </p:blipFill>
+        <p:spPr>
+          <a:xfrm>
+            <a:off x="3347161" y="2886747"/>
+            <a:ext cx="578037" cy="578037"/>
+          </a:xfrm>
+          <a:prstGeom prst="rect">
+            <a:avLst/>
+          </a:prstGeom>
+        </p:spPr>
+      </p:pic>
+      <p:pic>
+        <p:nvPicPr>
+          <p:cNvPr id="33" name="Imagen 32"/>
+          <p:cNvPicPr>
+            <a:picLocks noChangeAspect="1"/>
+          </p:cNvPicPr>
+          <p:nvPr/>
+        </p:nvPicPr>
+        <p:blipFill>
+          <a:blip r:embed="rId15" cstate="print">
+            <a:extLst>
+              <a:ext uri="{28A0092B-C50C-407E-A947-70E740481C1C}">
+                <a14:useLocalDpi xmlns:a14="http://schemas.microsoft.com/office/drawing/2010/main" val="0"/>
+              </a:ext>
+            </a:extLst>
+          </a:blip>
+          <a:stretch>
+            <a:fillRect/>
+          </a:stretch>
+        </p:blipFill>
+        <p:spPr>
+          <a:xfrm>
+            <a:off x="7374205" y="2949602"/>
+            <a:ext cx="495769" cy="495769"/>
+          </a:xfrm>
+          <a:prstGeom prst="rect">
+            <a:avLst/>
+          </a:prstGeom>
+        </p:spPr>
+      </p:pic>
+      <p:sp>
+        <p:nvSpPr>
+          <p:cNvPr id="34" name="Rectángulo 33"/>
+          <p:cNvSpPr/>
+          <p:nvPr/>
+        </p:nvSpPr>
+        <p:spPr>
+          <a:xfrm>
+            <a:off x="1621286" y="3715706"/>
+            <a:ext cx="1231310" cy="415498"/>
+          </a:xfrm>
+          <a:prstGeom prst="rect">
+            <a:avLst/>
+          </a:prstGeom>
+        </p:spPr>
+        <p:txBody>
+          <a:bodyPr wrap="square">
+            <a:spAutoFit/>
+          </a:bodyPr>
+          <a:lstStyle/>
+          <a:p>
+            <a:pPr algn="ctr"/>
+            <a:r>
+              <a:rPr lang="es-ES" sz="1050" b="1" dirty="0">
+                <a:solidFill>
+                  <a:srgbClr val="0070C0"/>
+                </a:solidFill>
+              </a:rPr>
+              <a:t>ESTADÍSTICA DESCRIPTIVA</a:t>
+            </a:r>
+            <a:endParaRPr lang="en-US" sz="1050" b="1" dirty="0">
+              <a:solidFill>
+                <a:srgbClr val="0070C0"/>
+              </a:solidFill>
+            </a:endParaRPr>
+          </a:p>
+        </p:txBody>
+      </p:sp>
+      <p:sp>
+        <p:nvSpPr>
+          <p:cNvPr id="35" name="Rectángulo 34"/>
+          <p:cNvSpPr/>
+          <p:nvPr/>
+        </p:nvSpPr>
+        <p:spPr>
+          <a:xfrm>
+            <a:off x="1628803" y="4882931"/>
+            <a:ext cx="1223793" cy="261610"/>
+          </a:xfrm>
+          <a:prstGeom prst="rect">
+            <a:avLst/>
+          </a:prstGeom>
+        </p:spPr>
+        <p:txBody>
+          <a:bodyPr wrap="square">
+            <a:spAutoFit/>
+          </a:bodyPr>
+          <a:lstStyle/>
+          <a:p>
+            <a:pPr algn="ctr"/>
+            <a:r>
+              <a:rPr lang="es-ES" sz="1050" b="1" dirty="0">
+                <a:solidFill>
+                  <a:srgbClr val="0070C0"/>
+                </a:solidFill>
+              </a:rPr>
+              <a:t>VISUALIZACIÓN</a:t>
+            </a:r>
+            <a:endParaRPr lang="en-US" sz="1050" b="1" dirty="0">
+              <a:solidFill>
+                <a:srgbClr val="0070C0"/>
+              </a:solidFill>
+            </a:endParaRPr>
+          </a:p>
+        </p:txBody>
+      </p:sp>
+      <p:sp>
+        <p:nvSpPr>
+          <p:cNvPr id="36" name="CuadroTexto 35"/>
+          <p:cNvSpPr txBox="1"/>
+          <p:nvPr/>
+        </p:nvSpPr>
+        <p:spPr>
+          <a:xfrm>
+            <a:off x="4273539" y="2249342"/>
+            <a:ext cx="1324697" cy="261610"/>
+          </a:xfrm>
+          <a:prstGeom prst="rect">
+            <a:avLst/>
+          </a:prstGeom>
+          <a:noFill/>
+        </p:spPr>
+        <p:txBody>
+          <a:bodyPr wrap="square" rtlCol="0">
+            <a:spAutoFit/>
+          </a:bodyPr>
+          <a:lstStyle/>
+          <a:p>
+            <a:pPr algn="ctr"/>
+            <a:r>
+              <a:rPr lang="es-ES" sz="1100" b="1" dirty="0">
+                <a:solidFill>
+                  <a:srgbClr val="002060"/>
+                </a:solidFill>
+              </a:rPr>
+              <a:t>3. DIVIDIR DATOS</a:t>
+            </a:r>
+            <a:endParaRPr lang="en-US" sz="1100" b="1" dirty="0">
+              <a:solidFill>
+                <a:srgbClr val="002060"/>
+              </a:solidFill>
+            </a:endParaRPr>
+          </a:p>
+        </p:txBody>
+      </p:sp>
+      <p:sp>
+        <p:nvSpPr>
+          <p:cNvPr id="37" name="CuadroTexto 36"/>
+          <p:cNvSpPr txBox="1"/>
+          <p:nvPr/>
+        </p:nvSpPr>
+        <p:spPr>
+          <a:xfrm>
+            <a:off x="5654670" y="2186587"/>
+            <a:ext cx="1319721" cy="600164"/>
+          </a:xfrm>
+          <a:prstGeom prst="rect">
+            <a:avLst/>
+          </a:prstGeom>
+          <a:noFill/>
+        </p:spPr>
+        <p:txBody>
+          <a:bodyPr wrap="square" rtlCol="0">
+            <a:spAutoFit/>
+          </a:bodyPr>
+          <a:lstStyle/>
+          <a:p>
+            <a:pPr algn="ctr"/>
+            <a:r>
+              <a:rPr lang="en-US" sz="1100" b="1" dirty="0">
+                <a:solidFill>
+                  <a:srgbClr val="002060"/>
+                </a:solidFill>
+              </a:rPr>
+              <a:t>4. CONSTRUCCIÓN Y EVALUACIÓN DE MODELOS</a:t>
+            </a:r>
+          </a:p>
+        </p:txBody>
+      </p:sp>
+      <p:sp>
+        <p:nvSpPr>
+          <p:cNvPr id="38" name="CuadroTexto 37"/>
+          <p:cNvSpPr txBox="1"/>
+          <p:nvPr/>
+        </p:nvSpPr>
+        <p:spPr>
+          <a:xfrm>
+            <a:off x="6893933" y="2196051"/>
+            <a:ext cx="1519015" cy="600164"/>
+          </a:xfrm>
+          <a:prstGeom prst="rect">
+            <a:avLst/>
+          </a:prstGeom>
+          <a:noFill/>
+        </p:spPr>
+        <p:txBody>
+          <a:bodyPr wrap="square" rtlCol="0">
+            <a:spAutoFit/>
+          </a:bodyPr>
+          <a:lstStyle/>
+          <a:p>
+            <a:pPr algn="ctr"/>
+            <a:r>
+              <a:rPr lang="en-US" sz="1100" b="1" dirty="0">
+                <a:solidFill>
+                  <a:srgbClr val="002060"/>
+                </a:solidFill>
+              </a:rPr>
+              <a:t>5. AJUSTAR HIPERPARÁMETROS DEL MEJOR MODELO</a:t>
+            </a:r>
+          </a:p>
+        </p:txBody>
+      </p:sp>
+      <p:sp>
+        <p:nvSpPr>
+          <p:cNvPr id="39" name="CuadroTexto 38"/>
+          <p:cNvSpPr txBox="1"/>
+          <p:nvPr/>
+        </p:nvSpPr>
+        <p:spPr>
+          <a:xfrm>
+            <a:off x="6938531" y="4146514"/>
+            <a:ext cx="1372279" cy="430887"/>
+          </a:xfrm>
+          <a:prstGeom prst="rect">
+            <a:avLst/>
+          </a:prstGeom>
+          <a:noFill/>
+        </p:spPr>
+        <p:txBody>
+          <a:bodyPr wrap="square" rtlCol="0">
+            <a:spAutoFit/>
+          </a:bodyPr>
+          <a:lstStyle/>
+          <a:p>
+            <a:pPr algn="ctr"/>
+            <a:r>
+              <a:rPr lang="en-US" sz="1100" b="1" dirty="0">
+                <a:solidFill>
+                  <a:srgbClr val="002060"/>
+                </a:solidFill>
+              </a:rPr>
+              <a:t>6. EVALUACIÓN FINAL DEL MODELO</a:t>
+            </a:r>
+          </a:p>
+        </p:txBody>
+      </p:sp>
+      <p:sp>
+        <p:nvSpPr>
+          <p:cNvPr id="40" name="Rectángulo 39"/>
+          <p:cNvSpPr/>
+          <p:nvPr/>
+        </p:nvSpPr>
+        <p:spPr>
+          <a:xfrm>
+            <a:off x="4414579" y="2513980"/>
+            <a:ext cx="1087422" cy="261610"/>
+          </a:xfrm>
+          <a:prstGeom prst="rect">
+            <a:avLst/>
+          </a:prstGeom>
+        </p:spPr>
+        <p:txBody>
+          <a:bodyPr wrap="square">
+            <a:spAutoFit/>
+          </a:bodyPr>
+          <a:lstStyle/>
+          <a:p>
+            <a:pPr algn="ctr"/>
+            <a:r>
+              <a:rPr lang="es-ES" sz="1050" b="1" dirty="0">
+                <a:solidFill>
+                  <a:srgbClr val="0070C0"/>
+                </a:solidFill>
+              </a:rPr>
+              <a:t>TRAIN DATA</a:t>
+            </a:r>
+            <a:endParaRPr lang="en-US" sz="1050" b="1" dirty="0">
+              <a:solidFill>
+                <a:srgbClr val="0070C0"/>
+              </a:solidFill>
+            </a:endParaRPr>
+          </a:p>
+        </p:txBody>
+      </p:sp>
+      <p:sp>
+        <p:nvSpPr>
+          <p:cNvPr id="41" name="Rectángulo 40"/>
+          <p:cNvSpPr/>
+          <p:nvPr/>
+        </p:nvSpPr>
+        <p:spPr>
+          <a:xfrm>
+            <a:off x="4419270" y="3714759"/>
+            <a:ext cx="1087422" cy="261610"/>
+          </a:xfrm>
+          <a:prstGeom prst="rect">
+            <a:avLst/>
+          </a:prstGeom>
+        </p:spPr>
+        <p:txBody>
+          <a:bodyPr wrap="square">
+            <a:spAutoFit/>
+          </a:bodyPr>
+          <a:lstStyle/>
+          <a:p>
+            <a:pPr algn="ctr"/>
+            <a:r>
+              <a:rPr lang="es-ES" sz="1050" b="1" dirty="0">
+                <a:solidFill>
+                  <a:srgbClr val="0070C0"/>
+                </a:solidFill>
+              </a:rPr>
+              <a:t>TEST DATA</a:t>
+            </a:r>
+            <a:endParaRPr lang="en-US" sz="1050" b="1" dirty="0">
+              <a:solidFill>
+                <a:srgbClr val="0070C0"/>
+              </a:solidFill>
+            </a:endParaRPr>
+          </a:p>
+        </p:txBody>
+      </p:sp>
+      <p:sp>
+        <p:nvSpPr>
+          <p:cNvPr id="42" name="Rectángulo redondeado 41"/>
+          <p:cNvSpPr/>
+          <p:nvPr/>
+        </p:nvSpPr>
+        <p:spPr>
+          <a:xfrm>
+            <a:off x="1628803" y="2171684"/>
+            <a:ext cx="1223793" cy="3670169"/>
+          </a:xfrm>
+          <a:prstGeom prst="roundRect">
+            <a:avLst/>
+          </a:prstGeom>
+          <a:noFill/>
+          <a:ln w="19050">
+            <a:solidFill>
+              <a:schemeClr val="bg1">
+                <a:lumMod val="75000"/>
+              </a:schemeClr>
+            </a:solidFill>
+          </a:ln>
+        </p:spPr>
+        <p:style>
+          <a:lnRef idx="2">
+            <a:schemeClr val="accent1">
+              <a:shade val="50000"/>
+            </a:schemeClr>
+          </a:lnRef>
+          <a:fillRef idx="1">
+            <a:schemeClr val="accent1"/>
+          </a:fillRef>
+          <a:effectRef idx="0">
+            <a:schemeClr val="accent1"/>
+          </a:effectRef>
+          <a:fontRef idx="minor">
+            <a:schemeClr val="lt1"/>
+          </a:fontRef>
+        </p:style>
+        <p:txBody>
+          <a:bodyPr rtlCol="0" anchor="ctr"/>
+          <a:lstStyle/>
+          <a:p>
+            <a:pPr algn="ctr"/>
+            <a:endParaRPr lang="en-US"/>
+          </a:p>
+        </p:txBody>
+      </p:sp>
+      <p:sp>
+        <p:nvSpPr>
+          <p:cNvPr id="43" name="Rectángulo redondeado 42"/>
+          <p:cNvSpPr/>
+          <p:nvPr/>
+        </p:nvSpPr>
+        <p:spPr>
+          <a:xfrm>
+            <a:off x="5704755" y="2164492"/>
+            <a:ext cx="1191355" cy="1653117"/>
+          </a:xfrm>
+          <a:prstGeom prst="roundRect">
+            <a:avLst/>
+          </a:prstGeom>
+          <a:noFill/>
+          <a:ln w="19050">
+            <a:solidFill>
+              <a:schemeClr val="bg1">
+                <a:lumMod val="75000"/>
+              </a:schemeClr>
+            </a:solidFill>
+          </a:ln>
+        </p:spPr>
+        <p:style>
+          <a:lnRef idx="2">
+            <a:schemeClr val="accent1">
+              <a:shade val="50000"/>
+            </a:schemeClr>
+          </a:lnRef>
+          <a:fillRef idx="1">
+            <a:schemeClr val="accent1"/>
+          </a:fillRef>
+          <a:effectRef idx="0">
+            <a:schemeClr val="accent1"/>
+          </a:effectRef>
+          <a:fontRef idx="minor">
+            <a:schemeClr val="lt1"/>
+          </a:fontRef>
+        </p:style>
+        <p:txBody>
+          <a:bodyPr rtlCol="0" anchor="ctr"/>
+          <a:lstStyle/>
+          <a:p>
+            <a:pPr algn="ctr"/>
+            <a:endParaRPr lang="en-US"/>
+          </a:p>
+        </p:txBody>
+      </p:sp>
+      <p:sp>
+        <p:nvSpPr>
+          <p:cNvPr id="44" name="Rectángulo redondeado 43"/>
+          <p:cNvSpPr/>
+          <p:nvPr/>
+        </p:nvSpPr>
+        <p:spPr>
+          <a:xfrm>
+            <a:off x="7007389" y="2164493"/>
+            <a:ext cx="1272740" cy="1653117"/>
+          </a:xfrm>
+          <a:prstGeom prst="roundRect">
+            <a:avLst/>
+          </a:prstGeom>
+          <a:noFill/>
+          <a:ln w="19050">
+            <a:solidFill>
+              <a:schemeClr val="bg1">
+                <a:lumMod val="75000"/>
+              </a:schemeClr>
+            </a:solidFill>
+          </a:ln>
+        </p:spPr>
+        <p:style>
+          <a:lnRef idx="2">
+            <a:schemeClr val="accent1">
+              <a:shade val="50000"/>
+            </a:schemeClr>
+          </a:lnRef>
+          <a:fillRef idx="1">
+            <a:schemeClr val="accent1"/>
+          </a:fillRef>
+          <a:effectRef idx="0">
+            <a:schemeClr val="accent1"/>
+          </a:effectRef>
+          <a:fontRef idx="minor">
+            <a:schemeClr val="lt1"/>
+          </a:fontRef>
+        </p:style>
+        <p:txBody>
+          <a:bodyPr rtlCol="0" anchor="ctr"/>
+          <a:lstStyle/>
+          <a:p>
+            <a:pPr algn="ctr"/>
+            <a:endParaRPr lang="en-US"/>
+          </a:p>
+        </p:txBody>
+      </p:sp>
+      <p:sp>
+        <p:nvSpPr>
+          <p:cNvPr id="45" name="Rectángulo redondeado 44"/>
+          <p:cNvSpPr/>
+          <p:nvPr/>
+        </p:nvSpPr>
+        <p:spPr>
+          <a:xfrm>
+            <a:off x="7012872" y="4083062"/>
+            <a:ext cx="1191355" cy="1480055"/>
+          </a:xfrm>
+          <a:prstGeom prst="roundRect">
+            <a:avLst/>
+          </a:prstGeom>
+          <a:noFill/>
+          <a:ln w="19050">
+            <a:solidFill>
+              <a:schemeClr val="bg1">
+                <a:lumMod val="75000"/>
+              </a:schemeClr>
+            </a:solidFill>
+          </a:ln>
+        </p:spPr>
+        <p:style>
+          <a:lnRef idx="2">
+            <a:schemeClr val="accent1">
+              <a:shade val="50000"/>
+            </a:schemeClr>
+          </a:lnRef>
+          <a:fillRef idx="1">
+            <a:schemeClr val="accent1"/>
+          </a:fillRef>
+          <a:effectRef idx="0">
+            <a:schemeClr val="accent1"/>
+          </a:effectRef>
+          <a:fontRef idx="minor">
+            <a:schemeClr val="lt1"/>
+          </a:fontRef>
+        </p:style>
+        <p:txBody>
+          <a:bodyPr rtlCol="0" anchor="ctr"/>
+          <a:lstStyle/>
+          <a:p>
+            <a:pPr algn="ctr"/>
+            <a:endParaRPr lang="en-US"/>
+          </a:p>
+        </p:txBody>
+      </p:sp>
+      <p:sp>
+        <p:nvSpPr>
+          <p:cNvPr id="46" name="Rectángulo redondeado 45"/>
+          <p:cNvSpPr/>
+          <p:nvPr/>
+        </p:nvSpPr>
+        <p:spPr>
+          <a:xfrm>
+            <a:off x="4378400" y="2174595"/>
+            <a:ext cx="1191355" cy="2762126"/>
+          </a:xfrm>
+          <a:prstGeom prst="roundRect">
+            <a:avLst/>
+          </a:prstGeom>
+          <a:noFill/>
+          <a:ln w="19050">
+            <a:solidFill>
+              <a:schemeClr val="bg1">
+                <a:lumMod val="75000"/>
+              </a:schemeClr>
+            </a:solidFill>
+          </a:ln>
+        </p:spPr>
+        <p:style>
+          <a:lnRef idx="2">
+            <a:schemeClr val="accent1">
+              <a:shade val="50000"/>
+            </a:schemeClr>
+          </a:lnRef>
+          <a:fillRef idx="1">
+            <a:schemeClr val="accent1"/>
+          </a:fillRef>
+          <a:effectRef idx="0">
+            <a:schemeClr val="accent1"/>
+          </a:effectRef>
+          <a:fontRef idx="minor">
+            <a:schemeClr val="lt1"/>
+          </a:fontRef>
+        </p:style>
+        <p:txBody>
+          <a:bodyPr rtlCol="0" anchor="ctr"/>
+          <a:lstStyle/>
+          <a:p>
+            <a:pPr algn="ctr"/>
+            <a:endParaRPr lang="en-US"/>
+          </a:p>
+        </p:txBody>
+      </p:sp>
+      <p:sp>
+        <p:nvSpPr>
+          <p:cNvPr id="47" name="Rectángulo redondeado 46"/>
+          <p:cNvSpPr/>
+          <p:nvPr/>
+        </p:nvSpPr>
+        <p:spPr>
+          <a:xfrm>
+            <a:off x="3025923" y="2188009"/>
+            <a:ext cx="1191355" cy="4639962"/>
+          </a:xfrm>
+          <a:prstGeom prst="roundRect">
+            <a:avLst/>
+          </a:prstGeom>
+          <a:noFill/>
+          <a:ln w="19050">
+            <a:solidFill>
+              <a:schemeClr val="bg1">
+                <a:lumMod val="75000"/>
+              </a:schemeClr>
+            </a:solidFill>
+          </a:ln>
+        </p:spPr>
+        <p:style>
+          <a:lnRef idx="2">
+            <a:schemeClr val="accent1">
+              <a:shade val="50000"/>
+            </a:schemeClr>
+          </a:lnRef>
+          <a:fillRef idx="1">
+            <a:schemeClr val="accent1"/>
+          </a:fillRef>
+          <a:effectRef idx="0">
+            <a:schemeClr val="accent1"/>
+          </a:effectRef>
+          <a:fontRef idx="minor">
+            <a:schemeClr val="lt1"/>
+          </a:fontRef>
+        </p:style>
+        <p:txBody>
+          <a:bodyPr rtlCol="0" anchor="ctr"/>
+          <a:lstStyle/>
+          <a:p>
+            <a:pPr algn="ctr"/>
+            <a:endParaRPr lang="en-US"/>
+          </a:p>
+        </p:txBody>
+      </p:sp>
+      <p:sp>
+        <p:nvSpPr>
+          <p:cNvPr id="48" name="Rectángulo redondeado 47"/>
+          <p:cNvSpPr/>
+          <p:nvPr/>
+        </p:nvSpPr>
+        <p:spPr>
+          <a:xfrm>
+            <a:off x="308418" y="2188009"/>
+            <a:ext cx="1191355" cy="1629600"/>
+          </a:xfrm>
+          <a:prstGeom prst="roundRect">
+            <a:avLst/>
+          </a:prstGeom>
+          <a:noFill/>
+          <a:ln w="19050">
+            <a:solidFill>
+              <a:schemeClr val="bg1">
+                <a:lumMod val="75000"/>
+              </a:schemeClr>
+            </a:solidFill>
+          </a:ln>
+        </p:spPr>
+        <p:style>
+          <a:lnRef idx="2">
+            <a:schemeClr val="accent1">
+              <a:shade val="50000"/>
+            </a:schemeClr>
+          </a:lnRef>
+          <a:fillRef idx="1">
+            <a:schemeClr val="accent1"/>
+          </a:fillRef>
+          <a:effectRef idx="0">
+            <a:schemeClr val="accent1"/>
+          </a:effectRef>
+          <a:fontRef idx="minor">
+            <a:schemeClr val="lt1"/>
+          </a:fontRef>
+        </p:style>
+        <p:txBody>
+          <a:bodyPr rtlCol="0" anchor="ctr"/>
+          <a:lstStyle/>
+          <a:p>
+            <a:pPr algn="ctr"/>
+            <a:endParaRPr lang="en-US"/>
+          </a:p>
+        </p:txBody>
+      </p:sp>
+      <p:cxnSp>
+        <p:nvCxnSpPr>
+          <p:cNvPr id="49" name="Conector recto de flecha 48"/>
+          <p:cNvCxnSpPr/>
+          <p:nvPr/>
+        </p:nvCxnSpPr>
+        <p:spPr>
+          <a:xfrm>
+            <a:off x="1314416" y="3175765"/>
+            <a:ext cx="480517" cy="0"/>
+          </a:xfrm>
+          <a:prstGeom prst="straightConnector1">
+            <a:avLst/>
+          </a:prstGeom>
+          <a:ln w="57150">
+            <a:solidFill>
+              <a:srgbClr val="002060"/>
+            </a:solidFill>
+            <a:tailEnd type="triangle"/>
+          </a:ln>
+        </p:spPr>
+        <p:style>
+          <a:lnRef idx="1">
+            <a:schemeClr val="accent1"/>
+          </a:lnRef>
+          <a:fillRef idx="0">
+            <a:schemeClr val="accent1"/>
+          </a:fillRef>
+          <a:effectRef idx="0">
+            <a:schemeClr val="accent1"/>
+          </a:effectRef>
+          <a:fontRef idx="minor">
+            <a:schemeClr val="tx1"/>
+          </a:fontRef>
+        </p:style>
+      </p:cxnSp>
+      <p:cxnSp>
+        <p:nvCxnSpPr>
+          <p:cNvPr id="50" name="Conector recto de flecha 49"/>
+          <p:cNvCxnSpPr/>
+          <p:nvPr/>
+        </p:nvCxnSpPr>
+        <p:spPr>
+          <a:xfrm>
+            <a:off x="2582129" y="3175765"/>
+            <a:ext cx="640752" cy="0"/>
+          </a:xfrm>
+          <a:prstGeom prst="straightConnector1">
+            <a:avLst/>
+          </a:prstGeom>
+          <a:ln w="57150">
+            <a:solidFill>
+              <a:srgbClr val="002060"/>
+            </a:solidFill>
+            <a:tailEnd type="triangle"/>
+          </a:ln>
+        </p:spPr>
+        <p:style>
+          <a:lnRef idx="1">
+            <a:schemeClr val="accent1"/>
+          </a:lnRef>
+          <a:fillRef idx="0">
+            <a:schemeClr val="accent1"/>
+          </a:fillRef>
+          <a:effectRef idx="0">
+            <a:schemeClr val="accent1"/>
+          </a:effectRef>
+          <a:fontRef idx="minor">
+            <a:schemeClr val="tx1"/>
+          </a:fontRef>
+        </p:style>
+      </p:cxnSp>
+      <p:cxnSp>
+        <p:nvCxnSpPr>
+          <p:cNvPr id="51" name="Conector recto de flecha 50"/>
+          <p:cNvCxnSpPr/>
+          <p:nvPr/>
+        </p:nvCxnSpPr>
+        <p:spPr>
+          <a:xfrm>
+            <a:off x="4052535" y="3193415"/>
+            <a:ext cx="493712" cy="0"/>
+          </a:xfrm>
+          <a:prstGeom prst="straightConnector1">
+            <a:avLst/>
+          </a:prstGeom>
+          <a:ln w="57150">
+            <a:solidFill>
+              <a:srgbClr val="002060"/>
+            </a:solidFill>
+            <a:tailEnd type="triangle"/>
+          </a:ln>
+        </p:spPr>
+        <p:style>
+          <a:lnRef idx="1">
+            <a:schemeClr val="accent1"/>
+          </a:lnRef>
+          <a:fillRef idx="0">
+            <a:schemeClr val="accent1"/>
+          </a:fillRef>
+          <a:effectRef idx="0">
+            <a:schemeClr val="accent1"/>
+          </a:effectRef>
+          <a:fontRef idx="minor">
+            <a:schemeClr val="tx1"/>
+          </a:fontRef>
+        </p:style>
+      </p:cxnSp>
+      <p:cxnSp>
+        <p:nvCxnSpPr>
+          <p:cNvPr id="52" name="Conector recto de flecha 51"/>
+          <p:cNvCxnSpPr/>
+          <p:nvPr/>
+        </p:nvCxnSpPr>
+        <p:spPr>
+          <a:xfrm>
+            <a:off x="5365109" y="3199864"/>
+            <a:ext cx="493712" cy="0"/>
+          </a:xfrm>
+          <a:prstGeom prst="straightConnector1">
+            <a:avLst/>
+          </a:prstGeom>
+          <a:ln w="57150">
+            <a:solidFill>
+              <a:srgbClr val="002060"/>
+            </a:solidFill>
+            <a:tailEnd type="triangle"/>
+          </a:ln>
+        </p:spPr>
+        <p:style>
+          <a:lnRef idx="1">
+            <a:schemeClr val="accent1"/>
+          </a:lnRef>
+          <a:fillRef idx="0">
+            <a:schemeClr val="accent1"/>
+          </a:fillRef>
+          <a:effectRef idx="0">
+            <a:schemeClr val="accent1"/>
+          </a:effectRef>
+          <a:fontRef idx="minor">
+            <a:schemeClr val="tx1"/>
+          </a:fontRef>
+        </p:style>
+      </p:cxnSp>
+      <p:cxnSp>
+        <p:nvCxnSpPr>
+          <p:cNvPr id="53" name="Conector recto de flecha 52"/>
+          <p:cNvCxnSpPr/>
+          <p:nvPr/>
+        </p:nvCxnSpPr>
+        <p:spPr>
+          <a:xfrm>
+            <a:off x="6691424" y="3199864"/>
+            <a:ext cx="493712" cy="0"/>
+          </a:xfrm>
+          <a:prstGeom prst="straightConnector1">
+            <a:avLst/>
+          </a:prstGeom>
+          <a:ln w="57150">
+            <a:solidFill>
+              <a:srgbClr val="002060"/>
+            </a:solidFill>
+            <a:tailEnd type="triangle"/>
+          </a:ln>
+        </p:spPr>
+        <p:style>
+          <a:lnRef idx="1">
+            <a:schemeClr val="accent1"/>
+          </a:lnRef>
+          <a:fillRef idx="0">
+            <a:schemeClr val="accent1"/>
+          </a:fillRef>
+          <a:effectRef idx="0">
+            <a:schemeClr val="accent1"/>
+          </a:effectRef>
+          <a:fontRef idx="minor">
+            <a:schemeClr val="tx1"/>
+          </a:fontRef>
+        </p:style>
+      </p:cxnSp>
+      <p:cxnSp>
+        <p:nvCxnSpPr>
+          <p:cNvPr id="54" name="Conector recto de flecha 53"/>
+          <p:cNvCxnSpPr>
+            <a:stCxn id="9" idx="6"/>
+          </p:cNvCxnSpPr>
+          <p:nvPr/>
+        </p:nvCxnSpPr>
+        <p:spPr>
+          <a:xfrm>
+            <a:off x="5356281" y="4440152"/>
+            <a:ext cx="1618338" cy="0"/>
+          </a:xfrm>
+          <a:prstGeom prst="straightConnector1">
+            <a:avLst/>
+          </a:prstGeom>
+          <a:ln w="57150">
+            <a:solidFill>
+              <a:srgbClr val="002060"/>
+            </a:solidFill>
+            <a:tailEnd type="triangle"/>
+          </a:ln>
+        </p:spPr>
+        <p:style>
+          <a:lnRef idx="1">
+            <a:schemeClr val="accent1"/>
+          </a:lnRef>
+          <a:fillRef idx="0">
+            <a:schemeClr val="accent1"/>
+          </a:fillRef>
+          <a:effectRef idx="0">
+            <a:schemeClr val="accent1"/>
+          </a:effectRef>
+          <a:fontRef idx="minor">
+            <a:schemeClr val="tx1"/>
+          </a:fontRef>
+        </p:style>
+      </p:cxnSp>
+      <p:cxnSp>
+        <p:nvCxnSpPr>
+          <p:cNvPr id="55" name="Conector recto de flecha 54"/>
+          <p:cNvCxnSpPr/>
+          <p:nvPr/>
+        </p:nvCxnSpPr>
+        <p:spPr>
+          <a:xfrm>
+            <a:off x="7622089" y="3607669"/>
+            <a:ext cx="0" cy="458438"/>
+          </a:xfrm>
+          <a:prstGeom prst="straightConnector1">
+            <a:avLst/>
+          </a:prstGeom>
+          <a:ln w="57150">
+            <a:solidFill>
+              <a:srgbClr val="002060"/>
+            </a:solidFill>
+            <a:tailEnd type="triangle"/>
+          </a:ln>
+        </p:spPr>
+        <p:style>
+          <a:lnRef idx="1">
+            <a:schemeClr val="accent1"/>
+          </a:lnRef>
+          <a:fillRef idx="0">
+            <a:schemeClr val="accent1"/>
+          </a:fillRef>
+          <a:effectRef idx="0">
+            <a:schemeClr val="accent1"/>
+          </a:effectRef>
+          <a:fontRef idx="minor">
+            <a:schemeClr val="tx1"/>
+          </a:fontRef>
+        </p:style>
+      </p:cxnSp>
+      <p:cxnSp>
+        <p:nvCxnSpPr>
+          <p:cNvPr id="56" name="Conector angular 55"/>
+          <p:cNvCxnSpPr/>
+          <p:nvPr/>
+        </p:nvCxnSpPr>
+        <p:spPr>
+          <a:xfrm rot="16200000" flipH="1" flipV="1">
+            <a:off x="4949258" y="809944"/>
+            <a:ext cx="23517" cy="2678832"/>
+          </a:xfrm>
+          <a:prstGeom prst="bentConnector3">
+            <a:avLst>
+              <a:gd name="adj1" fmla="val -972063"/>
+            </a:avLst>
+          </a:prstGeom>
+          <a:ln w="57150">
+            <a:solidFill>
+              <a:srgbClr val="002060"/>
+            </a:solidFill>
+            <a:tailEnd type="triangle"/>
+          </a:ln>
+        </p:spPr>
+        <p:style>
+          <a:lnRef idx="1">
+            <a:schemeClr val="accent1"/>
+          </a:lnRef>
+          <a:fillRef idx="0">
+            <a:schemeClr val="accent1"/>
+          </a:fillRef>
+          <a:effectRef idx="0">
+            <a:schemeClr val="accent1"/>
+          </a:effectRef>
+          <a:fontRef idx="minor">
+            <a:schemeClr val="tx1"/>
+          </a:fontRef>
+        </p:style>
+      </p:cxnSp>
+      <p:cxnSp>
+        <p:nvCxnSpPr>
+          <p:cNvPr id="57" name="Conector angular 56"/>
+          <p:cNvCxnSpPr>
+            <a:stCxn id="45" idx="2"/>
+          </p:cNvCxnSpPr>
+          <p:nvPr/>
+        </p:nvCxnSpPr>
+        <p:spPr>
+          <a:xfrm rot="5400000">
+            <a:off x="5848985" y="3944140"/>
+            <a:ext cx="140589" cy="3378542"/>
+          </a:xfrm>
+          <a:prstGeom prst="bentConnector2">
+            <a:avLst/>
+          </a:prstGeom>
+          <a:ln w="57150">
+            <a:solidFill>
+              <a:srgbClr val="002060"/>
+            </a:solidFill>
+            <a:tailEnd type="triangle"/>
+          </a:ln>
+        </p:spPr>
+        <p:style>
+          <a:lnRef idx="1">
+            <a:schemeClr val="accent1"/>
+          </a:lnRef>
+          <a:fillRef idx="0">
+            <a:schemeClr val="accent1"/>
+          </a:fillRef>
+          <a:effectRef idx="0">
+            <a:schemeClr val="accent1"/>
+          </a:effectRef>
+          <a:fontRef idx="minor">
+            <a:schemeClr val="tx1"/>
+          </a:fontRef>
+        </p:style>
+      </p:cxnSp>
+      <p:sp>
+        <p:nvSpPr>
+          <p:cNvPr id="58" name="CuadroTexto 57"/>
+          <p:cNvSpPr txBox="1"/>
+          <p:nvPr/>
+        </p:nvSpPr>
+        <p:spPr>
+          <a:xfrm>
+            <a:off x="4342676" y="5751697"/>
+            <a:ext cx="3991478" cy="261610"/>
+          </a:xfrm>
+          <a:prstGeom prst="rect">
+            <a:avLst/>
+          </a:prstGeom>
+          <a:noFill/>
+        </p:spPr>
+        <p:txBody>
+          <a:bodyPr wrap="square" rtlCol="0">
+            <a:spAutoFit/>
+          </a:bodyPr>
+          <a:lstStyle/>
+          <a:p>
+            <a:r>
+              <a:rPr lang="es-ES" sz="1100" i="1" dirty="0"/>
+              <a:t>Si los resultados no son los esperados, se comienza de nuevo</a:t>
+            </a:r>
+            <a:endParaRPr lang="en-US" sz="1100" i="1" dirty="0"/>
+          </a:p>
+        </p:txBody>
+      </p:sp>
+      <p:sp>
+        <p:nvSpPr>
+          <p:cNvPr id="59" name="Rectángulo 58"/>
+          <p:cNvSpPr/>
+          <p:nvPr/>
+        </p:nvSpPr>
+        <p:spPr>
+          <a:xfrm>
+            <a:off x="4388262" y="1689510"/>
+            <a:ext cx="950901" cy="246221"/>
+          </a:xfrm>
+          <a:prstGeom prst="rect">
+            <a:avLst/>
+          </a:prstGeom>
+        </p:spPr>
+        <p:txBody>
+          <a:bodyPr wrap="none">
+            <a:spAutoFit/>
+          </a:bodyPr>
+          <a:lstStyle/>
+          <a:p>
+            <a:r>
+              <a:rPr lang="en-US" sz="1000" i="1" dirty="0" err="1">
+                <a:latin typeface="medium-content-serif-font"/>
+              </a:rPr>
+              <a:t>Fase</a:t>
+            </a:r>
+            <a:r>
+              <a:rPr lang="en-US" sz="1000" i="1" dirty="0">
+                <a:latin typeface="medium-content-serif-font"/>
+              </a:rPr>
+              <a:t> </a:t>
+            </a:r>
+            <a:r>
+              <a:rPr lang="en-US" sz="1000" i="1" dirty="0" err="1">
+                <a:latin typeface="medium-content-serif-font"/>
+              </a:rPr>
+              <a:t>iterativa</a:t>
+            </a:r>
+            <a:endParaRPr lang="en-US" sz="1000" dirty="0"/>
+          </a:p>
+        </p:txBody>
+      </p:sp>
+      <p:sp>
+        <p:nvSpPr>
+          <p:cNvPr id="62" name="Título 1"/>
+          <p:cNvSpPr txBox="1">
+            <a:spLocks/>
+          </p:cNvSpPr>
+          <p:nvPr/>
+        </p:nvSpPr>
+        <p:spPr>
+          <a:xfrm>
+            <a:off x="1080252" y="1238796"/>
+            <a:ext cx="5015055" cy="763455"/>
+          </a:xfrm>
+          <a:prstGeom prst="rect">
+            <a:avLst/>
+          </a:prstGeom>
+        </p:spPr>
+        <p:txBody>
+          <a:bodyPr vert="horz" lIns="91440" tIns="45720" rIns="91440" bIns="45720" rtlCol="0" anchor="ctr">
+            <a:normAutofit/>
+          </a:bodyPr>
+          <a:lstStyle>
+            <a:lvl1pPr algn="ctr" defTabSz="914377" rtl="0" eaLnBrk="1" latinLnBrk="0" hangingPunct="1">
+              <a:lnSpc>
+                <a:spcPct val="90000"/>
+              </a:lnSpc>
+              <a:spcBef>
+                <a:spcPct val="0"/>
+              </a:spcBef>
+              <a:buNone/>
+              <a:defRPr sz="4000" kern="1200">
+                <a:solidFill>
+                  <a:schemeClr val="tx1"/>
+                </a:solidFill>
+                <a:latin typeface="+mj-lt"/>
+                <a:ea typeface="+mj-ea"/>
+                <a:cs typeface="+mj-cs"/>
+              </a:defRPr>
+            </a:lvl1pPr>
+          </a:lstStyle>
+          <a:p>
+            <a:pPr algn="l"/>
+            <a:r>
+              <a:rPr lang="es-ES" sz="2400" b="1" dirty="0" err="1" smtClean="0"/>
+              <a:t>Recap</a:t>
+            </a:r>
+            <a:endParaRPr lang="es-ES" sz="2400" b="1" dirty="0"/>
+          </a:p>
+        </p:txBody>
+      </p:sp>
+      <p:sp>
+        <p:nvSpPr>
+          <p:cNvPr id="63" name="Elipse 62">
+            <a:extLst>
+              <a:ext uri="{FF2B5EF4-FFF2-40B4-BE49-F238E27FC236}">
+                <a16:creationId xmlns:a16="http://schemas.microsoft.com/office/drawing/2014/main" id="{1D0A02D5-6FFB-4F8C-98B8-D0EA00DB75ED}"/>
+              </a:ext>
+            </a:extLst>
+          </p:cNvPr>
           <p:cNvSpPr/>
           <p:nvPr/>
         </p:nvSpPr>
@@ -21497,323 +23554,115 @@
             <a:avLst/>
           </a:prstGeom>
           <a:solidFill>
-            <a:srgbClr val="B7CCE4"/>
+            <a:schemeClr val="accent1">
+              <a:lumMod val="40000"/>
+              <a:lumOff val="60000"/>
+            </a:schemeClr>
           </a:solidFill>
-          <a:ln w="57150" cap="flat" cmpd="sng">
+          <a:ln w="57150">
             <a:solidFill>
               <a:srgbClr val="006DA5"/>
             </a:solidFill>
-            <a:prstDash val="solid"/>
-            <a:round/>
-            <a:headEnd type="none" w="sm" len="sm"/>
-            <a:tailEnd type="none" w="sm" len="sm"/>
           </a:ln>
         </p:spPr>
+        <p:style>
+          <a:lnRef idx="1">
+            <a:schemeClr val="accent1"/>
+          </a:lnRef>
+          <a:fillRef idx="0">
+            <a:schemeClr val="accent1"/>
+          </a:fillRef>
+          <a:effectRef idx="0">
+            <a:schemeClr val="accent1"/>
+          </a:effectRef>
+          <a:fontRef idx="minor">
+            <a:schemeClr val="tx1"/>
+          </a:fontRef>
+        </p:style>
         <p:txBody>
-          <a:bodyPr spcFirstLastPara="1" wrap="square" lIns="91425" tIns="45700" rIns="91425" bIns="45700" anchor="ctr" anchorCtr="0">
-            <a:noAutofit/>
-          </a:bodyPr>
+          <a:bodyPr rtlCol="0" anchor="ctr"/>
           <a:lstStyle/>
           <a:p>
-            <a:pPr marL="0" marR="0" lvl="0" indent="0" algn="ctr" rtl="0">
-              <a:lnSpc>
-                <a:spcPct val="100000"/>
-              </a:lnSpc>
-              <a:spcBef>
-                <a:spcPts val="0"/>
-              </a:spcBef>
-              <a:spcAft>
-                <a:spcPts val="0"/>
-              </a:spcAft>
-              <a:buClr>
-                <a:srgbClr val="000000"/>
-              </a:buClr>
-              <a:buSzPts val="1800"/>
-              <a:buFont typeface="Arial"/>
-              <a:buNone/>
-            </a:pPr>
-            <a:endParaRPr sz="1800" b="0" i="0" u="none" strike="noStrike" cap="none">
-              <a:solidFill>
-                <a:schemeClr val="dk1"/>
-              </a:solidFill>
-              <a:latin typeface="Calibri"/>
-              <a:ea typeface="Calibri"/>
-              <a:cs typeface="Calibri"/>
-              <a:sym typeface="Calibri"/>
-            </a:endParaRPr>
+            <a:pPr algn="ctr"/>
+            <a:endParaRPr lang="en-US"/>
           </a:p>
         </p:txBody>
       </p:sp>
-      <p:pic>
-        <p:nvPicPr>
-          <p:cNvPr id="126" name="Google Shape;126;p4"/>
-          <p:cNvPicPr preferRelativeResize="0"/>
-          <p:nvPr/>
-        </p:nvPicPr>
-        <p:blipFill rotWithShape="1">
-          <a:blip r:embed="rId3">
-            <a:alphaModFix/>
-          </a:blip>
-          <a:srcRect/>
-          <a:stretch/>
-        </p:blipFill>
-        <p:spPr>
-          <a:xfrm>
-            <a:off x="512062" y="1394183"/>
-            <a:ext cx="346458" cy="346458"/>
-          </a:xfrm>
-          <a:prstGeom prst="rect">
-            <a:avLst/>
-          </a:prstGeom>
-          <a:noFill/>
-          <a:ln>
-            <a:noFill/>
-          </a:ln>
-        </p:spPr>
-      </p:pic>
       <p:cxnSp>
         <p:nvCxnSpPr>
-          <p:cNvPr id="127" name="Google Shape;127;p4"/>
+          <p:cNvPr id="65" name="Conector recto 64">
+            <a:extLst>
+              <a:ext uri="{FF2B5EF4-FFF2-40B4-BE49-F238E27FC236}">
+                <a16:creationId xmlns:a16="http://schemas.microsoft.com/office/drawing/2014/main" id="{0AD0E46B-B808-4FEC-89A3-4FB5D251B28A}"/>
+              </a:ext>
+            </a:extLst>
+          </p:cNvPr>
           <p:cNvCxnSpPr/>
           <p:nvPr/>
         </p:nvCxnSpPr>
         <p:spPr>
-          <a:xfrm rot="10800000" flipH="1">
-            <a:off x="-37" y="1569720"/>
+          <a:xfrm flipV="1">
+            <a:off x="-37" y="1635037"/>
             <a:ext cx="406401" cy="3437"/>
           </a:xfrm>
-          <a:prstGeom prst="straightConnector1">
+          <a:prstGeom prst="line">
             <a:avLst/>
           </a:prstGeom>
-          <a:noFill/>
-          <a:ln w="57150" cap="flat" cmpd="sng">
+          <a:ln w="57150">
             <a:solidFill>
               <a:srgbClr val="006DA5"/>
             </a:solidFill>
-            <a:prstDash val="solid"/>
-            <a:round/>
-            <a:headEnd type="none" w="sm" len="sm"/>
-            <a:tailEnd type="none" w="sm" len="sm"/>
           </a:ln>
         </p:spPr>
+        <p:style>
+          <a:lnRef idx="1">
+            <a:schemeClr val="accent1"/>
+          </a:lnRef>
+          <a:fillRef idx="0">
+            <a:schemeClr val="accent1"/>
+          </a:fillRef>
+          <a:effectRef idx="0">
+            <a:schemeClr val="accent1"/>
+          </a:effectRef>
+          <a:fontRef idx="minor">
+            <a:schemeClr val="tx1"/>
+          </a:fontRef>
+        </p:style>
       </p:cxnSp>
-      <p:sp>
-        <p:nvSpPr>
-          <p:cNvPr id="128" name="Google Shape;128;p4"/>
-          <p:cNvSpPr txBox="1"/>
-          <p:nvPr/>
-        </p:nvSpPr>
-        <p:spPr>
-          <a:xfrm>
-            <a:off x="1044392" y="1198152"/>
-            <a:ext cx="4584605" cy="763455"/>
-          </a:xfrm>
-          <a:prstGeom prst="rect">
-            <a:avLst/>
-          </a:prstGeom>
-          <a:noFill/>
-          <a:ln>
-            <a:noFill/>
-          </a:ln>
-        </p:spPr>
-        <p:txBody>
-          <a:bodyPr spcFirstLastPara="1" wrap="square" lIns="91425" tIns="45700" rIns="91425" bIns="45700" anchor="ctr" anchorCtr="0">
-            <a:normAutofit fontScale="92500"/>
-          </a:bodyPr>
-          <a:lstStyle/>
-          <a:p>
-            <a:pPr lvl="0">
-              <a:lnSpc>
-                <a:spcPct val="90000"/>
-              </a:lnSpc>
-              <a:buSzPts val="2800"/>
-            </a:pPr>
-            <a:r>
-              <a:rPr lang="en-US" sz="2800" b="1" dirty="0" smtClean="0">
-                <a:latin typeface="Calibri"/>
-                <a:ea typeface="Calibri"/>
-                <a:cs typeface="Calibri"/>
-                <a:sym typeface="Calibri"/>
-              </a:rPr>
-              <a:t>Recap </a:t>
-            </a:r>
-            <a:r>
-              <a:rPr lang="en-US" sz="2800" b="1" dirty="0" err="1" smtClean="0">
-                <a:latin typeface="Calibri"/>
-                <a:ea typeface="Calibri"/>
-                <a:cs typeface="Calibri"/>
-                <a:sym typeface="Calibri"/>
-              </a:rPr>
-              <a:t>Aprendizaje</a:t>
-            </a:r>
-            <a:r>
-              <a:rPr lang="en-US" sz="2800" b="1" dirty="0" smtClean="0">
-                <a:latin typeface="Calibri"/>
-                <a:ea typeface="Calibri"/>
-                <a:cs typeface="Calibri"/>
-                <a:sym typeface="Calibri"/>
-              </a:rPr>
-              <a:t> </a:t>
-            </a:r>
-            <a:r>
-              <a:rPr lang="en-US" sz="2800" b="1" dirty="0" err="1" smtClean="0">
-                <a:latin typeface="Calibri"/>
-                <a:ea typeface="Calibri"/>
-                <a:cs typeface="Calibri"/>
-                <a:sym typeface="Calibri"/>
-              </a:rPr>
-              <a:t>automático</a:t>
-            </a:r>
-            <a:r>
-              <a:rPr lang="en-US" sz="2800" b="1" dirty="0" smtClean="0">
-                <a:latin typeface="Calibri"/>
-                <a:ea typeface="Calibri"/>
-                <a:cs typeface="Calibri"/>
-                <a:sym typeface="Calibri"/>
-              </a:rPr>
-              <a:t> </a:t>
-            </a:r>
-            <a:endParaRPr lang="en-US" dirty="0"/>
-          </a:p>
-          <a:p>
-            <a:pPr marL="0" marR="0" lvl="0" indent="0" algn="l" rtl="0">
-              <a:lnSpc>
-                <a:spcPct val="90000"/>
-              </a:lnSpc>
-              <a:spcBef>
-                <a:spcPts val="0"/>
-              </a:spcBef>
-              <a:spcAft>
-                <a:spcPts val="0"/>
-              </a:spcAft>
-              <a:buClr>
-                <a:schemeClr val="dk1"/>
-              </a:buClr>
-              <a:buSzPts val="2800"/>
-              <a:buFont typeface="Calibri"/>
-              <a:buNone/>
-            </a:pPr>
-            <a:endParaRPr sz="1400" b="0" i="0" u="none" strike="noStrike" cap="none" dirty="0">
-              <a:solidFill>
-                <a:srgbClr val="000000"/>
-              </a:solidFill>
-              <a:latin typeface="Arial"/>
-              <a:ea typeface="Arial"/>
-              <a:cs typeface="Arial"/>
-              <a:sym typeface="Arial"/>
-            </a:endParaRPr>
-          </a:p>
-        </p:txBody>
-      </p:sp>
-      <p:sp>
-        <p:nvSpPr>
-          <p:cNvPr id="130" name="Google Shape;130;p4"/>
-          <p:cNvSpPr txBox="1"/>
-          <p:nvPr/>
-        </p:nvSpPr>
-        <p:spPr>
-          <a:xfrm>
-            <a:off x="6844146" y="6356355"/>
-            <a:ext cx="2057400" cy="365125"/>
-          </a:xfrm>
-          <a:prstGeom prst="rect">
-            <a:avLst/>
-          </a:prstGeom>
-          <a:noFill/>
-          <a:ln>
-            <a:noFill/>
-          </a:ln>
-        </p:spPr>
-        <p:txBody>
-          <a:bodyPr spcFirstLastPara="1" wrap="square" lIns="91425" tIns="45700" rIns="91425" bIns="45700" anchor="ctr" anchorCtr="0">
-            <a:noAutofit/>
-          </a:bodyPr>
-          <a:lstStyle/>
-          <a:p>
-            <a:pPr marL="0" marR="0" lvl="0" indent="0" algn="r" rtl="0">
-              <a:lnSpc>
-                <a:spcPct val="100000"/>
-              </a:lnSpc>
-              <a:spcBef>
-                <a:spcPts val="0"/>
-              </a:spcBef>
-              <a:spcAft>
-                <a:spcPts val="0"/>
-              </a:spcAft>
-              <a:buClr>
-                <a:srgbClr val="000000"/>
-              </a:buClr>
-              <a:buSzPts val="1200"/>
-              <a:buFont typeface="Arial"/>
-              <a:buNone/>
-            </a:pPr>
-            <a:fld id="{00000000-1234-1234-1234-123412341234}" type="slidenum">
-              <a:rPr lang="en-US" sz="1200" b="0" i="0" u="none" strike="noStrike" cap="none">
-                <a:solidFill>
-                  <a:srgbClr val="888888"/>
-                </a:solidFill>
-                <a:latin typeface="Calibri"/>
-                <a:ea typeface="Calibri"/>
-                <a:cs typeface="Calibri"/>
-                <a:sym typeface="Calibri"/>
-              </a:rPr>
-              <a:t>6</a:t>
-            </a:fld>
-            <a:endParaRPr sz="1200" b="0" i="0" u="none" strike="noStrike" cap="none">
-              <a:solidFill>
-                <a:srgbClr val="888888"/>
-              </a:solidFill>
-              <a:latin typeface="Calibri"/>
-              <a:ea typeface="Calibri"/>
-              <a:cs typeface="Calibri"/>
-              <a:sym typeface="Calibri"/>
-            </a:endParaRPr>
-          </a:p>
-        </p:txBody>
-      </p:sp>
       <p:pic>
         <p:nvPicPr>
-          <p:cNvPr id="1028" name="Picture 4" descr="Supervised vs. Unsupervised Learning [Differences &amp; Examples]"/>
+          <p:cNvPr id="64" name="Imagen 63"/>
           <p:cNvPicPr>
-            <a:picLocks noChangeAspect="1" noChangeArrowheads="1"/>
+            <a:picLocks noChangeAspect="1"/>
           </p:cNvPicPr>
           <p:nvPr/>
         </p:nvPicPr>
-        <p:blipFill rotWithShape="1">
-          <a:blip r:embed="rId4">
+        <p:blipFill>
+          <a:blip r:embed="rId16" cstate="print">
             <a:extLst>
               <a:ext uri="{28A0092B-C50C-407E-A947-70E740481C1C}">
                 <a14:useLocalDpi xmlns:a14="http://schemas.microsoft.com/office/drawing/2010/main" val="0"/>
               </a:ext>
             </a:extLst>
           </a:blip>
-          <a:srcRect b="9528"/>
-          <a:stretch/>
+          <a:stretch>
+            <a:fillRect/>
+          </a:stretch>
         </p:blipFill>
-        <p:spPr bwMode="auto">
+        <p:spPr>
           <a:xfrm>
-            <a:off x="1330035" y="1855073"/>
-            <a:ext cx="6276975" cy="4231691"/>
+            <a:off x="490416" y="1386338"/>
+            <a:ext cx="363725" cy="363725"/>
           </a:xfrm>
           <a:prstGeom prst="rect">
             <a:avLst/>
           </a:prstGeom>
-          <a:noFill/>
-          <a:extLst>
-            <a:ext uri="{909E8E84-426E-40DD-AFC4-6F175D3DCCD1}">
-              <a14:hiddenFill xmlns:a14="http://schemas.microsoft.com/office/drawing/2010/main">
-                <a:solidFill>
-                  <a:srgbClr val="FFFFFF"/>
-                </a:solidFill>
-              </a14:hiddenFill>
-            </a:ext>
-          </a:extLst>
         </p:spPr>
       </p:pic>
     </p:spTree>
     <p:extLst>
       <p:ext uri="{BB962C8B-B14F-4D97-AF65-F5344CB8AC3E}">
-        <p14:creationId xmlns:p14="http://schemas.microsoft.com/office/powerpoint/2010/main" val="1664332770"/>
+        <p14:creationId xmlns:p14="http://schemas.microsoft.com/office/powerpoint/2010/main" val="3022521133"/>
       </p:ext>
     </p:extLst>
   </p:cSld>
@@ -21866,7 +23715,6 @@
               <a:rPr lang="en-US" dirty="0" smtClean="0"/>
               <a:t>Short Quiz </a:t>
             </a:r>
-            <a:endParaRPr lang="en-US" dirty="0" smtClean="0"/>
           </a:p>
           <a:p>
             <a:endParaRPr lang="en-US" dirty="0"/>
